--- a/week7_pythonII/week7_python_chap9.pptx
+++ b/week7_pythonII/week7_python_chap9.pptx
@@ -5,7 +5,7 @@
     <p:sldMasterId id="2147483648" r:id="rId1"/>
   </p:sldMasterIdLst>
   <p:notesMasterIdLst>
-    <p:notesMasterId r:id="rId20"/>
+    <p:notesMasterId r:id="rId21"/>
   </p:notesMasterIdLst>
   <p:sldIdLst>
     <p:sldId id="323" r:id="rId2"/>
@@ -14,18 +14,19 @@
     <p:sldId id="325" r:id="rId5"/>
     <p:sldId id="330" r:id="rId6"/>
     <p:sldId id="327" r:id="rId7"/>
-    <p:sldId id="326" r:id="rId8"/>
-    <p:sldId id="331" r:id="rId9"/>
-    <p:sldId id="315" r:id="rId10"/>
-    <p:sldId id="333" r:id="rId11"/>
-    <p:sldId id="322" r:id="rId12"/>
-    <p:sldId id="328" r:id="rId13"/>
-    <p:sldId id="334" r:id="rId14"/>
-    <p:sldId id="317" r:id="rId15"/>
-    <p:sldId id="336" r:id="rId16"/>
-    <p:sldId id="332" r:id="rId17"/>
-    <p:sldId id="329" r:id="rId18"/>
-    <p:sldId id="335" r:id="rId19"/>
+    <p:sldId id="337" r:id="rId8"/>
+    <p:sldId id="326" r:id="rId9"/>
+    <p:sldId id="331" r:id="rId10"/>
+    <p:sldId id="315" r:id="rId11"/>
+    <p:sldId id="333" r:id="rId12"/>
+    <p:sldId id="322" r:id="rId13"/>
+    <p:sldId id="328" r:id="rId14"/>
+    <p:sldId id="334" r:id="rId15"/>
+    <p:sldId id="317" r:id="rId16"/>
+    <p:sldId id="336" r:id="rId17"/>
+    <p:sldId id="332" r:id="rId18"/>
+    <p:sldId id="329" r:id="rId19"/>
+    <p:sldId id="335" r:id="rId20"/>
   </p:sldIdLst>
   <p:sldSz cx="12192000" cy="6858000"/>
   <p:notesSz cx="6858000" cy="9144000"/>
@@ -214,7 +215,7 @@
           <a:p>
             <a:fld id="{976AFC6F-2922-2443-A2A7-8FC41FA455C3}" type="datetimeFigureOut">
               <a:rPr lang="en-US" smtClean="0"/>
-              <a:t>10/11/22</a:t>
+              <a:t>10/8/24</a:t>
             </a:fld>
             <a:endParaRPr lang="en-US"/>
           </a:p>
@@ -714,7 +715,7 @@
           <a:p>
             <a:fld id="{FBC3CC19-939B-124D-AEB5-0A0C0D7EEB85}" type="slidenum">
               <a:rPr lang="en-US" smtClean="0"/>
-              <a:t>9</a:t>
+              <a:t>10</a:t>
             </a:fld>
             <a:endParaRPr lang="en-US"/>
           </a:p>
@@ -798,7 +799,7 @@
           <a:p>
             <a:fld id="{FBC3CC19-939B-124D-AEB5-0A0C0D7EEB85}" type="slidenum">
               <a:rPr lang="en-US" smtClean="0"/>
-              <a:t>11</a:t>
+              <a:t>12</a:t>
             </a:fld>
             <a:endParaRPr lang="en-US"/>
           </a:p>
@@ -882,7 +883,7 @@
           <a:p>
             <a:fld id="{FBC3CC19-939B-124D-AEB5-0A0C0D7EEB85}" type="slidenum">
               <a:rPr lang="en-US" smtClean="0"/>
-              <a:t>14</a:t>
+              <a:t>15</a:t>
             </a:fld>
             <a:endParaRPr lang="en-US"/>
           </a:p>
@@ -966,7 +967,7 @@
           <a:p>
             <a:fld id="{9F9D292F-4A4E-7444-8AE2-A048A0C01299}" type="slidenum">
               <a:rPr lang="en-US" smtClean="0"/>
-              <a:t>17</a:t>
+              <a:t>18</a:t>
             </a:fld>
             <a:endParaRPr lang="en-US"/>
           </a:p>
@@ -1132,7 +1133,7 @@
           <a:p>
             <a:fld id="{A4D148A6-5714-8649-8AB3-5088539201B5}" type="datetimeFigureOut">
               <a:rPr lang="en-US" smtClean="0"/>
-              <a:t>10/11/22</a:t>
+              <a:t>10/8/24</a:t>
             </a:fld>
             <a:endParaRPr lang="en-US"/>
           </a:p>
@@ -1330,7 +1331,7 @@
           <a:p>
             <a:fld id="{A4D148A6-5714-8649-8AB3-5088539201B5}" type="datetimeFigureOut">
               <a:rPr lang="en-US" smtClean="0"/>
-              <a:t>10/11/22</a:t>
+              <a:t>10/8/24</a:t>
             </a:fld>
             <a:endParaRPr lang="en-US"/>
           </a:p>
@@ -1538,7 +1539,7 @@
           <a:p>
             <a:fld id="{A4D148A6-5714-8649-8AB3-5088539201B5}" type="datetimeFigureOut">
               <a:rPr lang="en-US" smtClean="0"/>
-              <a:t>10/11/22</a:t>
+              <a:t>10/8/24</a:t>
             </a:fld>
             <a:endParaRPr lang="en-US"/>
           </a:p>
@@ -1736,7 +1737,7 @@
           <a:p>
             <a:fld id="{A4D148A6-5714-8649-8AB3-5088539201B5}" type="datetimeFigureOut">
               <a:rPr lang="en-US" smtClean="0"/>
-              <a:t>10/11/22</a:t>
+              <a:t>10/8/24</a:t>
             </a:fld>
             <a:endParaRPr lang="en-US"/>
           </a:p>
@@ -2011,7 +2012,7 @@
           <a:p>
             <a:fld id="{A4D148A6-5714-8649-8AB3-5088539201B5}" type="datetimeFigureOut">
               <a:rPr lang="en-US" smtClean="0"/>
-              <a:t>10/11/22</a:t>
+              <a:t>10/8/24</a:t>
             </a:fld>
             <a:endParaRPr lang="en-US"/>
           </a:p>
@@ -2276,7 +2277,7 @@
           <a:p>
             <a:fld id="{A4D148A6-5714-8649-8AB3-5088539201B5}" type="datetimeFigureOut">
               <a:rPr lang="en-US" smtClean="0"/>
-              <a:t>10/11/22</a:t>
+              <a:t>10/8/24</a:t>
             </a:fld>
             <a:endParaRPr lang="en-US"/>
           </a:p>
@@ -2688,7 +2689,7 @@
           <a:p>
             <a:fld id="{A4D148A6-5714-8649-8AB3-5088539201B5}" type="datetimeFigureOut">
               <a:rPr lang="en-US" smtClean="0"/>
-              <a:t>10/11/22</a:t>
+              <a:t>10/8/24</a:t>
             </a:fld>
             <a:endParaRPr lang="en-US"/>
           </a:p>
@@ -2829,7 +2830,7 @@
           <a:p>
             <a:fld id="{A4D148A6-5714-8649-8AB3-5088539201B5}" type="datetimeFigureOut">
               <a:rPr lang="en-US" smtClean="0"/>
-              <a:t>10/11/22</a:t>
+              <a:t>10/8/24</a:t>
             </a:fld>
             <a:endParaRPr lang="en-US"/>
           </a:p>
@@ -2942,7 +2943,7 @@
           <a:p>
             <a:fld id="{A4D148A6-5714-8649-8AB3-5088539201B5}" type="datetimeFigureOut">
               <a:rPr lang="en-US" smtClean="0"/>
-              <a:t>10/11/22</a:t>
+              <a:t>10/8/24</a:t>
             </a:fld>
             <a:endParaRPr lang="en-US"/>
           </a:p>
@@ -3253,7 +3254,7 @@
           <a:p>
             <a:fld id="{A4D148A6-5714-8649-8AB3-5088539201B5}" type="datetimeFigureOut">
               <a:rPr lang="en-US" smtClean="0"/>
-              <a:t>10/11/22</a:t>
+              <a:t>10/8/24</a:t>
             </a:fld>
             <a:endParaRPr lang="en-US"/>
           </a:p>
@@ -3541,7 +3542,7 @@
           <a:p>
             <a:fld id="{A4D148A6-5714-8649-8AB3-5088539201B5}" type="datetimeFigureOut">
               <a:rPr lang="en-US" smtClean="0"/>
-              <a:t>10/11/22</a:t>
+              <a:t>10/8/24</a:t>
             </a:fld>
             <a:endParaRPr lang="en-US"/>
           </a:p>
@@ -3782,7 +3783,7 @@
           <a:p>
             <a:fld id="{A4D148A6-5714-8649-8AB3-5088539201B5}" type="datetimeFigureOut">
               <a:rPr lang="en-US" smtClean="0"/>
-              <a:t>10/11/22</a:t>
+              <a:t>10/8/24</a:t>
             </a:fld>
             <a:endParaRPr lang="en-US"/>
           </a:p>
@@ -4476,6 +4477,788 @@
           <p:cNvPr id="2" name="Rectangle 1">
             <a:extLst>
               <a:ext uri="{FF2B5EF4-FFF2-40B4-BE49-F238E27FC236}">
+                <a16:creationId xmlns:a16="http://schemas.microsoft.com/office/drawing/2014/main" id="{429FD9AB-524F-134E-B72D-F2FAB72141BC}"/>
+              </a:ext>
+            </a:extLst>
+          </p:cNvPr>
+          <p:cNvSpPr/>
+          <p:nvPr/>
+        </p:nvSpPr>
+        <p:spPr>
+          <a:xfrm>
+            <a:off x="2886157" y="453098"/>
+            <a:ext cx="6767639" cy="677108"/>
+          </a:xfrm>
+          <a:prstGeom prst="rect">
+            <a:avLst/>
+          </a:prstGeom>
+        </p:spPr>
+        <p:txBody>
+          <a:bodyPr wrap="square">
+            <a:spAutoFit/>
+          </a:bodyPr>
+          <a:lstStyle/>
+          <a:p>
+            <a:r>
+              <a:rPr lang="en-US" sz="3800" b="1" dirty="0">
+                <a:latin typeface="Helvetica Light" panose="020B0403020202020204" pitchFamily="34" charset="0"/>
+              </a:rPr>
+              <a:t>if</a:t>
+            </a:r>
+            <a:r>
+              <a:rPr lang="en-US" sz="3200" b="1" dirty="0">
+                <a:latin typeface="Helvetica Light" panose="020B0403020202020204" pitchFamily="34" charset="0"/>
+              </a:rPr>
+              <a:t>	</a:t>
+            </a:r>
+            <a:r>
+              <a:rPr lang="en-US" sz="3200" dirty="0">
+                <a:latin typeface="Helvetica Light" panose="020B0403020202020204" pitchFamily="34" charset="0"/>
+              </a:rPr>
+              <a:t>conditional decision making</a:t>
+            </a:r>
+            <a:r>
+              <a:rPr lang="en-US" sz="3200" b="1" dirty="0">
+                <a:latin typeface="Helvetica Light" panose="020B0403020202020204" pitchFamily="34" charset="0"/>
+              </a:rPr>
+              <a:t>	</a:t>
+            </a:r>
+          </a:p>
+        </p:txBody>
+      </p:sp>
+      <p:sp>
+        <p:nvSpPr>
+          <p:cNvPr id="5" name="TextBox 4">
+            <a:extLst>
+              <a:ext uri="{FF2B5EF4-FFF2-40B4-BE49-F238E27FC236}">
+                <a16:creationId xmlns:a16="http://schemas.microsoft.com/office/drawing/2014/main" id="{CE8E53BD-95A4-9D49-BD20-32321062DD6A}"/>
+              </a:ext>
+            </a:extLst>
+          </p:cNvPr>
+          <p:cNvSpPr txBox="1"/>
+          <p:nvPr/>
+        </p:nvSpPr>
+        <p:spPr>
+          <a:xfrm>
+            <a:off x="3202848" y="1452239"/>
+            <a:ext cx="1740286" cy="492443"/>
+          </a:xfrm>
+          <a:prstGeom prst="rect">
+            <a:avLst/>
+          </a:prstGeom>
+          <a:noFill/>
+          <a:ln w="31750">
+            <a:solidFill>
+              <a:schemeClr val="accent1">
+                <a:shade val="50000"/>
+              </a:schemeClr>
+            </a:solidFill>
+          </a:ln>
+        </p:spPr>
+        <p:txBody>
+          <a:bodyPr wrap="square" rtlCol="0">
+            <a:spAutoFit/>
+          </a:bodyPr>
+          <a:lstStyle/>
+          <a:p>
+            <a:pPr algn="ctr"/>
+            <a:r>
+              <a:rPr lang="en-US" sz="2600" dirty="0">
+                <a:latin typeface="Helvetica Light" panose="020B0403020202020204" pitchFamily="34" charset="0"/>
+              </a:rPr>
+              <a:t>Input</a:t>
+            </a:r>
+          </a:p>
+        </p:txBody>
+      </p:sp>
+      <p:sp>
+        <p:nvSpPr>
+          <p:cNvPr id="6" name="TextBox 5">
+            <a:extLst>
+              <a:ext uri="{FF2B5EF4-FFF2-40B4-BE49-F238E27FC236}">
+                <a16:creationId xmlns:a16="http://schemas.microsoft.com/office/drawing/2014/main" id="{C85B4606-68DD-3B4F-98CC-7C01BAE0746B}"/>
+              </a:ext>
+            </a:extLst>
+          </p:cNvPr>
+          <p:cNvSpPr txBox="1"/>
+          <p:nvPr/>
+        </p:nvSpPr>
+        <p:spPr>
+          <a:xfrm>
+            <a:off x="2744820" y="2455808"/>
+            <a:ext cx="2672526" cy="492443"/>
+          </a:xfrm>
+          <a:prstGeom prst="rect">
+            <a:avLst/>
+          </a:prstGeom>
+          <a:noFill/>
+          <a:ln w="31750">
+            <a:solidFill>
+              <a:schemeClr val="accent1">
+                <a:shade val="50000"/>
+              </a:schemeClr>
+            </a:solidFill>
+          </a:ln>
+        </p:spPr>
+        <p:txBody>
+          <a:bodyPr wrap="none" rtlCol="0">
+            <a:spAutoFit/>
+          </a:bodyPr>
+          <a:lstStyle/>
+          <a:p>
+            <a:r>
+              <a:rPr lang="en-US" sz="2600" dirty="0">
+                <a:latin typeface="Helvetica Light" panose="020B0403020202020204" pitchFamily="34" charset="0"/>
+              </a:rPr>
+              <a:t>other statements</a:t>
+            </a:r>
+          </a:p>
+        </p:txBody>
+      </p:sp>
+      <p:sp>
+        <p:nvSpPr>
+          <p:cNvPr id="7" name="TextBox 6">
+            <a:extLst>
+              <a:ext uri="{FF2B5EF4-FFF2-40B4-BE49-F238E27FC236}">
+                <a16:creationId xmlns:a16="http://schemas.microsoft.com/office/drawing/2014/main" id="{1C87F172-5C04-904D-AC3C-3496CC8E74F0}"/>
+              </a:ext>
+            </a:extLst>
+          </p:cNvPr>
+          <p:cNvSpPr txBox="1"/>
+          <p:nvPr/>
+        </p:nvSpPr>
+        <p:spPr>
+          <a:xfrm>
+            <a:off x="3536219" y="3566001"/>
+            <a:ext cx="1089728" cy="553998"/>
+          </a:xfrm>
+          <a:prstGeom prst="rect">
+            <a:avLst/>
+          </a:prstGeom>
+          <a:noFill/>
+          <a:ln w="31750">
+            <a:solidFill>
+              <a:srgbClr val="C00000"/>
+            </a:solidFill>
+          </a:ln>
+        </p:spPr>
+        <p:txBody>
+          <a:bodyPr wrap="square" rtlCol="0">
+            <a:spAutoFit/>
+          </a:bodyPr>
+          <a:lstStyle/>
+          <a:p>
+            <a:pPr algn="ctr"/>
+            <a:r>
+              <a:rPr lang="en-US" sz="3000" dirty="0">
+                <a:latin typeface="Helvetica Light" panose="020B0403020202020204" pitchFamily="34" charset="0"/>
+              </a:rPr>
+              <a:t>if</a:t>
+            </a:r>
+          </a:p>
+        </p:txBody>
+      </p:sp>
+      <p:cxnSp>
+        <p:nvCxnSpPr>
+          <p:cNvPr id="9" name="Straight Arrow Connector 8">
+            <a:extLst>
+              <a:ext uri="{FF2B5EF4-FFF2-40B4-BE49-F238E27FC236}">
+                <a16:creationId xmlns:a16="http://schemas.microsoft.com/office/drawing/2014/main" id="{734C11B4-3770-2A4D-9B57-E0D191D60337}"/>
+              </a:ext>
+            </a:extLst>
+          </p:cNvPr>
+          <p:cNvCxnSpPr>
+            <a:cxnSpLocks/>
+          </p:cNvCxnSpPr>
+          <p:nvPr/>
+        </p:nvCxnSpPr>
+        <p:spPr>
+          <a:xfrm>
+            <a:off x="4081083" y="2062462"/>
+            <a:ext cx="0" cy="291313"/>
+          </a:xfrm>
+          <a:prstGeom prst="straightConnector1">
+            <a:avLst/>
+          </a:prstGeom>
+          <a:ln w="25400">
+            <a:solidFill>
+              <a:schemeClr val="tx1">
+                <a:lumMod val="50000"/>
+                <a:lumOff val="50000"/>
+              </a:schemeClr>
+            </a:solidFill>
+            <a:tailEnd type="triangle"/>
+          </a:ln>
+        </p:spPr>
+        <p:style>
+          <a:lnRef idx="1">
+            <a:schemeClr val="accent1"/>
+          </a:lnRef>
+          <a:fillRef idx="0">
+            <a:schemeClr val="accent1"/>
+          </a:fillRef>
+          <a:effectRef idx="0">
+            <a:schemeClr val="accent1"/>
+          </a:effectRef>
+          <a:fontRef idx="minor">
+            <a:schemeClr val="tx1"/>
+          </a:fontRef>
+        </p:style>
+      </p:cxnSp>
+      <p:cxnSp>
+        <p:nvCxnSpPr>
+          <p:cNvPr id="12" name="Straight Arrow Connector 11">
+            <a:extLst>
+              <a:ext uri="{FF2B5EF4-FFF2-40B4-BE49-F238E27FC236}">
+                <a16:creationId xmlns:a16="http://schemas.microsoft.com/office/drawing/2014/main" id="{81E36A95-7D2F-AE47-843E-80A33A1AF6F2}"/>
+              </a:ext>
+            </a:extLst>
+          </p:cNvPr>
+          <p:cNvCxnSpPr>
+            <a:cxnSpLocks/>
+          </p:cNvCxnSpPr>
+          <p:nvPr/>
+        </p:nvCxnSpPr>
+        <p:spPr>
+          <a:xfrm>
+            <a:off x="4072991" y="3104312"/>
+            <a:ext cx="0" cy="291313"/>
+          </a:xfrm>
+          <a:prstGeom prst="straightConnector1">
+            <a:avLst/>
+          </a:prstGeom>
+          <a:ln w="25400">
+            <a:solidFill>
+              <a:schemeClr val="tx1">
+                <a:lumMod val="50000"/>
+                <a:lumOff val="50000"/>
+              </a:schemeClr>
+            </a:solidFill>
+            <a:tailEnd type="triangle"/>
+          </a:ln>
+        </p:spPr>
+        <p:style>
+          <a:lnRef idx="1">
+            <a:schemeClr val="accent1"/>
+          </a:lnRef>
+          <a:fillRef idx="0">
+            <a:schemeClr val="accent1"/>
+          </a:fillRef>
+          <a:effectRef idx="0">
+            <a:schemeClr val="accent1"/>
+          </a:effectRef>
+          <a:fontRef idx="minor">
+            <a:schemeClr val="tx1"/>
+          </a:fontRef>
+        </p:style>
+      </p:cxnSp>
+      <p:cxnSp>
+        <p:nvCxnSpPr>
+          <p:cNvPr id="14" name="Straight Arrow Connector 13">
+            <a:extLst>
+              <a:ext uri="{FF2B5EF4-FFF2-40B4-BE49-F238E27FC236}">
+                <a16:creationId xmlns:a16="http://schemas.microsoft.com/office/drawing/2014/main" id="{B98114D8-3F76-9D42-A77B-AFBF8AFBA2EA}"/>
+              </a:ext>
+            </a:extLst>
+          </p:cNvPr>
+          <p:cNvCxnSpPr>
+            <a:cxnSpLocks/>
+          </p:cNvCxnSpPr>
+          <p:nvPr/>
+        </p:nvCxnSpPr>
+        <p:spPr>
+          <a:xfrm>
+            <a:off x="4755918" y="4057494"/>
+            <a:ext cx="376881" cy="282944"/>
+          </a:xfrm>
+          <a:prstGeom prst="straightConnector1">
+            <a:avLst/>
+          </a:prstGeom>
+          <a:ln w="25400">
+            <a:solidFill>
+              <a:schemeClr val="tx1">
+                <a:lumMod val="50000"/>
+                <a:lumOff val="50000"/>
+              </a:schemeClr>
+            </a:solidFill>
+            <a:tailEnd type="triangle"/>
+          </a:ln>
+        </p:spPr>
+        <p:style>
+          <a:lnRef idx="1">
+            <a:schemeClr val="accent1"/>
+          </a:lnRef>
+          <a:fillRef idx="0">
+            <a:schemeClr val="accent1"/>
+          </a:fillRef>
+          <a:effectRef idx="0">
+            <a:schemeClr val="accent1"/>
+          </a:effectRef>
+          <a:fontRef idx="minor">
+            <a:schemeClr val="tx1"/>
+          </a:fontRef>
+        </p:style>
+      </p:cxnSp>
+      <p:cxnSp>
+        <p:nvCxnSpPr>
+          <p:cNvPr id="16" name="Straight Arrow Connector 15">
+            <a:extLst>
+              <a:ext uri="{FF2B5EF4-FFF2-40B4-BE49-F238E27FC236}">
+                <a16:creationId xmlns:a16="http://schemas.microsoft.com/office/drawing/2014/main" id="{DE0922E5-5D20-9C40-81B6-60415FA1A2E9}"/>
+              </a:ext>
+            </a:extLst>
+          </p:cNvPr>
+          <p:cNvCxnSpPr>
+            <a:cxnSpLocks/>
+          </p:cNvCxnSpPr>
+          <p:nvPr/>
+        </p:nvCxnSpPr>
+        <p:spPr>
+          <a:xfrm>
+            <a:off x="3345295" y="4200452"/>
+            <a:ext cx="610948" cy="1416875"/>
+          </a:xfrm>
+          <a:prstGeom prst="straightConnector1">
+            <a:avLst/>
+          </a:prstGeom>
+          <a:ln w="25400">
+            <a:solidFill>
+              <a:schemeClr val="tx1">
+                <a:lumMod val="50000"/>
+                <a:lumOff val="50000"/>
+              </a:schemeClr>
+            </a:solidFill>
+            <a:tailEnd type="triangle"/>
+          </a:ln>
+        </p:spPr>
+        <p:style>
+          <a:lnRef idx="1">
+            <a:schemeClr val="accent1"/>
+          </a:lnRef>
+          <a:fillRef idx="0">
+            <a:schemeClr val="accent1"/>
+          </a:fillRef>
+          <a:effectRef idx="0">
+            <a:schemeClr val="accent1"/>
+          </a:effectRef>
+          <a:fontRef idx="minor">
+            <a:schemeClr val="tx1"/>
+          </a:fontRef>
+        </p:style>
+      </p:cxnSp>
+      <p:sp>
+        <p:nvSpPr>
+          <p:cNvPr id="18" name="TextBox 17">
+            <a:extLst>
+              <a:ext uri="{FF2B5EF4-FFF2-40B4-BE49-F238E27FC236}">
+                <a16:creationId xmlns:a16="http://schemas.microsoft.com/office/drawing/2014/main" id="{3EED08F4-5AE7-1A4A-A8BC-D7E8616CB86A}"/>
+              </a:ext>
+            </a:extLst>
+          </p:cNvPr>
+          <p:cNvSpPr txBox="1"/>
+          <p:nvPr/>
+        </p:nvSpPr>
+        <p:spPr>
+          <a:xfrm>
+            <a:off x="2027231" y="4340438"/>
+            <a:ext cx="1740286" cy="461665"/>
+          </a:xfrm>
+          <a:prstGeom prst="rect">
+            <a:avLst/>
+          </a:prstGeom>
+          <a:noFill/>
+          <a:ln w="31750">
+            <a:noFill/>
+          </a:ln>
+        </p:spPr>
+        <p:txBody>
+          <a:bodyPr wrap="square" rtlCol="0">
+            <a:spAutoFit/>
+          </a:bodyPr>
+          <a:lstStyle/>
+          <a:p>
+            <a:pPr algn="ctr"/>
+            <a:r>
+              <a:rPr lang="en-US" sz="2400" b="1" dirty="0">
+                <a:latin typeface="Helvetica Light" panose="020B0403020202020204" pitchFamily="34" charset="0"/>
+              </a:rPr>
+              <a:t>false</a:t>
+            </a:r>
+          </a:p>
+        </p:txBody>
+      </p:sp>
+      <p:sp>
+        <p:nvSpPr>
+          <p:cNvPr id="19" name="TextBox 18">
+            <a:extLst>
+              <a:ext uri="{FF2B5EF4-FFF2-40B4-BE49-F238E27FC236}">
+                <a16:creationId xmlns:a16="http://schemas.microsoft.com/office/drawing/2014/main" id="{DDD9586F-A4EB-9647-88DE-5707439DE510}"/>
+              </a:ext>
+            </a:extLst>
+          </p:cNvPr>
+          <p:cNvSpPr txBox="1"/>
+          <p:nvPr/>
+        </p:nvSpPr>
+        <p:spPr>
+          <a:xfrm>
+            <a:off x="4943134" y="4325212"/>
+            <a:ext cx="1740286" cy="830997"/>
+          </a:xfrm>
+          <a:prstGeom prst="rect">
+            <a:avLst/>
+          </a:prstGeom>
+          <a:noFill/>
+          <a:ln w="31750">
+            <a:noFill/>
+          </a:ln>
+        </p:spPr>
+        <p:txBody>
+          <a:bodyPr wrap="square" rtlCol="0">
+            <a:spAutoFit/>
+          </a:bodyPr>
+          <a:lstStyle/>
+          <a:p>
+            <a:pPr algn="ctr"/>
+            <a:r>
+              <a:rPr lang="en-US" sz="2400" b="1" dirty="0">
+                <a:latin typeface="Helvetica Light" panose="020B0403020202020204" pitchFamily="34" charset="0"/>
+              </a:rPr>
+              <a:t>true</a:t>
+            </a:r>
+            <a:r>
+              <a:rPr lang="en-US" sz="2400" dirty="0">
+                <a:latin typeface="Helvetica Light" panose="020B0403020202020204" pitchFamily="34" charset="0"/>
+              </a:rPr>
+              <a:t>: do something</a:t>
+            </a:r>
+          </a:p>
+        </p:txBody>
+      </p:sp>
+      <p:cxnSp>
+        <p:nvCxnSpPr>
+          <p:cNvPr id="20" name="Straight Arrow Connector 19">
+            <a:extLst>
+              <a:ext uri="{FF2B5EF4-FFF2-40B4-BE49-F238E27FC236}">
+                <a16:creationId xmlns:a16="http://schemas.microsoft.com/office/drawing/2014/main" id="{D55FA2BF-6FE0-D94A-93FB-CE7483769CAA}"/>
+              </a:ext>
+            </a:extLst>
+          </p:cNvPr>
+          <p:cNvCxnSpPr>
+            <a:cxnSpLocks/>
+          </p:cNvCxnSpPr>
+          <p:nvPr/>
+        </p:nvCxnSpPr>
+        <p:spPr>
+          <a:xfrm flipH="1">
+            <a:off x="5202329" y="5257405"/>
+            <a:ext cx="445912" cy="508280"/>
+          </a:xfrm>
+          <a:prstGeom prst="straightConnector1">
+            <a:avLst/>
+          </a:prstGeom>
+          <a:ln w="25400">
+            <a:solidFill>
+              <a:schemeClr val="tx1">
+                <a:lumMod val="50000"/>
+                <a:lumOff val="50000"/>
+              </a:schemeClr>
+            </a:solidFill>
+            <a:tailEnd type="triangle"/>
+          </a:ln>
+        </p:spPr>
+        <p:style>
+          <a:lnRef idx="1">
+            <a:schemeClr val="accent1"/>
+          </a:lnRef>
+          <a:fillRef idx="0">
+            <a:schemeClr val="accent1"/>
+          </a:fillRef>
+          <a:effectRef idx="0">
+            <a:schemeClr val="accent1"/>
+          </a:effectRef>
+          <a:fontRef idx="minor">
+            <a:schemeClr val="tx1"/>
+          </a:fontRef>
+        </p:style>
+      </p:cxnSp>
+      <p:sp>
+        <p:nvSpPr>
+          <p:cNvPr id="22" name="TextBox 21">
+            <a:extLst>
+              <a:ext uri="{FF2B5EF4-FFF2-40B4-BE49-F238E27FC236}">
+                <a16:creationId xmlns:a16="http://schemas.microsoft.com/office/drawing/2014/main" id="{802D0A6E-FF7E-9B49-8C97-C3A89509A86F}"/>
+              </a:ext>
+            </a:extLst>
+          </p:cNvPr>
+          <p:cNvSpPr txBox="1"/>
+          <p:nvPr/>
+        </p:nvSpPr>
+        <p:spPr>
+          <a:xfrm>
+            <a:off x="2977743" y="5912459"/>
+            <a:ext cx="2190496" cy="492443"/>
+          </a:xfrm>
+          <a:prstGeom prst="rect">
+            <a:avLst/>
+          </a:prstGeom>
+          <a:noFill/>
+          <a:ln w="31750">
+            <a:solidFill>
+              <a:schemeClr val="accent1">
+                <a:shade val="50000"/>
+              </a:schemeClr>
+            </a:solidFill>
+          </a:ln>
+        </p:spPr>
+        <p:txBody>
+          <a:bodyPr wrap="square" rtlCol="0">
+            <a:spAutoFit/>
+          </a:bodyPr>
+          <a:lstStyle/>
+          <a:p>
+            <a:pPr algn="ctr"/>
+            <a:r>
+              <a:rPr lang="en-US" sz="2600" dirty="0">
+                <a:latin typeface="Helvetica Light" panose="020B0403020202020204" pitchFamily="34" charset="0"/>
+              </a:rPr>
+              <a:t>Rest of code</a:t>
+            </a:r>
+          </a:p>
+        </p:txBody>
+      </p:sp>
+      <p:sp>
+        <p:nvSpPr>
+          <p:cNvPr id="27" name="TextBox 26">
+            <a:extLst>
+              <a:ext uri="{FF2B5EF4-FFF2-40B4-BE49-F238E27FC236}">
+                <a16:creationId xmlns:a16="http://schemas.microsoft.com/office/drawing/2014/main" id="{AA7891C3-2381-0441-9D99-9E32E1804421}"/>
+              </a:ext>
+            </a:extLst>
+          </p:cNvPr>
+          <p:cNvSpPr txBox="1"/>
+          <p:nvPr/>
+        </p:nvSpPr>
+        <p:spPr>
+          <a:xfrm>
+            <a:off x="7219488" y="2202490"/>
+            <a:ext cx="1782860" cy="523220"/>
+          </a:xfrm>
+          <a:prstGeom prst="rect">
+            <a:avLst/>
+          </a:prstGeom>
+          <a:noFill/>
+        </p:spPr>
+        <p:txBody>
+          <a:bodyPr wrap="none" rtlCol="0">
+            <a:spAutoFit/>
+          </a:bodyPr>
+          <a:lstStyle/>
+          <a:p>
+            <a:r>
+              <a:rPr lang="en-US" sz="2800" b="1" dirty="0">
+                <a:latin typeface="Helvetica Light" panose="020B0403020202020204" pitchFamily="34" charset="0"/>
+              </a:rPr>
+              <a:t>In python:</a:t>
+            </a:r>
+          </a:p>
+        </p:txBody>
+      </p:sp>
+      <p:sp>
+        <p:nvSpPr>
+          <p:cNvPr id="28" name="TextBox 27">
+            <a:extLst>
+              <a:ext uri="{FF2B5EF4-FFF2-40B4-BE49-F238E27FC236}">
+                <a16:creationId xmlns:a16="http://schemas.microsoft.com/office/drawing/2014/main" id="{49188429-E12B-8E46-A1CE-82A26410FDE3}"/>
+              </a:ext>
+            </a:extLst>
+          </p:cNvPr>
+          <p:cNvSpPr txBox="1"/>
+          <p:nvPr/>
+        </p:nvSpPr>
+        <p:spPr>
+          <a:xfrm>
+            <a:off x="7219488" y="3091124"/>
+            <a:ext cx="4544834" cy="954107"/>
+          </a:xfrm>
+          <a:prstGeom prst="rect">
+            <a:avLst/>
+          </a:prstGeom>
+          <a:noFill/>
+          <a:ln w="12700">
+            <a:solidFill>
+              <a:schemeClr val="tx1">
+                <a:lumMod val="65000"/>
+                <a:lumOff val="35000"/>
+              </a:schemeClr>
+            </a:solidFill>
+          </a:ln>
+        </p:spPr>
+        <p:txBody>
+          <a:bodyPr wrap="none" rtlCol="0">
+            <a:spAutoFit/>
+          </a:bodyPr>
+          <a:lstStyle/>
+          <a:p>
+            <a:r>
+              <a:rPr lang="en-US" sz="2800" b="1" dirty="0">
+                <a:latin typeface="Courier New" panose="02070309020205020404" pitchFamily="49" charset="0"/>
+                <a:cs typeface="Courier New" panose="02070309020205020404" pitchFamily="49" charset="0"/>
+              </a:rPr>
+              <a:t>if Num &gt; 0:</a:t>
+            </a:r>
+          </a:p>
+          <a:p>
+            <a:r>
+              <a:rPr lang="en-US" sz="2800" b="1" dirty="0">
+                <a:latin typeface="Courier New" panose="02070309020205020404" pitchFamily="49" charset="0"/>
+                <a:cs typeface="Courier New" panose="02070309020205020404" pitchFamily="49" charset="0"/>
+              </a:rPr>
+              <a:t>	print "negative"</a:t>
+            </a:r>
+          </a:p>
+        </p:txBody>
+      </p:sp>
+    </p:spTree>
+    <p:extLst>
+      <p:ext uri="{BB962C8B-B14F-4D97-AF65-F5344CB8AC3E}">
+        <p14:creationId xmlns:p14="http://schemas.microsoft.com/office/powerpoint/2010/main" val="177439477"/>
+      </p:ext>
+    </p:extLst>
+  </p:cSld>
+  <p:clrMapOvr>
+    <a:masterClrMapping/>
+  </p:clrMapOvr>
+  <p:timing>
+    <p:tnLst>
+      <p:par>
+        <p:cTn id="1" dur="indefinite" restart="never" nodeType="tmRoot">
+          <p:childTnLst>
+            <p:seq concurrent="1" nextAc="seek">
+              <p:cTn id="2" dur="indefinite" nodeType="mainSeq">
+                <p:childTnLst>
+                  <p:par>
+                    <p:cTn id="3" fill="hold">
+                      <p:stCondLst>
+                        <p:cond delay="indefinite"/>
+                      </p:stCondLst>
+                      <p:childTnLst>
+                        <p:par>
+                          <p:cTn id="4" fill="hold">
+                            <p:stCondLst>
+                              <p:cond delay="0"/>
+                            </p:stCondLst>
+                            <p:childTnLst>
+                              <p:par>
+                                <p:cTn id="5" presetID="1" presetClass="entr" presetSubtype="0" fill="hold" grpId="0" nodeType="clickEffect">
+                                  <p:stCondLst>
+                                    <p:cond delay="0"/>
+                                  </p:stCondLst>
+                                  <p:childTnLst>
+                                    <p:set>
+                                      <p:cBhvr>
+                                        <p:cTn id="6" dur="1" fill="hold">
+                                          <p:stCondLst>
+                                            <p:cond delay="0"/>
+                                          </p:stCondLst>
+                                        </p:cTn>
+                                        <p:tgtEl>
+                                          <p:spTgt spid="27"/>
+                                        </p:tgtEl>
+                                        <p:attrNameLst>
+                                          <p:attrName>style.visibility</p:attrName>
+                                        </p:attrNameLst>
+                                      </p:cBhvr>
+                                      <p:to>
+                                        <p:strVal val="visible"/>
+                                      </p:to>
+                                    </p:set>
+                                  </p:childTnLst>
+                                </p:cTn>
+                              </p:par>
+                              <p:par>
+                                <p:cTn id="7" presetID="1" presetClass="entr" presetSubtype="0" fill="hold" grpId="0" nodeType="withEffect">
+                                  <p:stCondLst>
+                                    <p:cond delay="0"/>
+                                  </p:stCondLst>
+                                  <p:childTnLst>
+                                    <p:set>
+                                      <p:cBhvr>
+                                        <p:cTn id="8" dur="1" fill="hold">
+                                          <p:stCondLst>
+                                            <p:cond delay="0"/>
+                                          </p:stCondLst>
+                                        </p:cTn>
+                                        <p:tgtEl>
+                                          <p:spTgt spid="28"/>
+                                        </p:tgtEl>
+                                        <p:attrNameLst>
+                                          <p:attrName>style.visibility</p:attrName>
+                                        </p:attrNameLst>
+                                      </p:cBhvr>
+                                      <p:to>
+                                        <p:strVal val="visible"/>
+                                      </p:to>
+                                    </p:set>
+                                  </p:childTnLst>
+                                </p:cTn>
+                              </p:par>
+                            </p:childTnLst>
+                          </p:cTn>
+                        </p:par>
+                      </p:childTnLst>
+                    </p:cTn>
+                  </p:par>
+                </p:childTnLst>
+              </p:cTn>
+              <p:prevCondLst>
+                <p:cond evt="onPrev" delay="0">
+                  <p:tgtEl>
+                    <p:sldTgt/>
+                  </p:tgtEl>
+                </p:cond>
+              </p:prevCondLst>
+              <p:nextCondLst>
+                <p:cond evt="onNext" delay="0">
+                  <p:tgtEl>
+                    <p:sldTgt/>
+                  </p:tgtEl>
+                </p:cond>
+              </p:nextCondLst>
+            </p:seq>
+          </p:childTnLst>
+        </p:cTn>
+      </p:par>
+    </p:tnLst>
+    <p:bldLst>
+      <p:bldP spid="27" grpId="0"/>
+      <p:bldP spid="28" grpId="0" animBg="1"/>
+    </p:bldLst>
+  </p:timing>
+</p:sld>
+</file>
+
+<file path=ppt/slides/slide11.xml><?xml version="1.0" encoding="utf-8"?>
+<p:sld xmlns:a="http://schemas.openxmlformats.org/drawingml/2006/main" xmlns:r="http://schemas.openxmlformats.org/officeDocument/2006/relationships" xmlns:p="http://schemas.openxmlformats.org/presentationml/2006/main">
+  <p:cSld>
+    <p:spTree>
+      <p:nvGrpSpPr>
+        <p:cNvPr id="1" name=""/>
+        <p:cNvGrpSpPr/>
+        <p:nvPr/>
+      </p:nvGrpSpPr>
+      <p:grpSpPr>
+        <a:xfrm>
+          <a:off x="0" y="0"/>
+          <a:ext cx="0" cy="0"/>
+          <a:chOff x="0" y="0"/>
+          <a:chExt cx="0" cy="0"/>
+        </a:xfrm>
+      </p:grpSpPr>
+      <p:sp>
+        <p:nvSpPr>
+          <p:cNvPr id="2" name="Rectangle 1">
+            <a:extLst>
+              <a:ext uri="{FF2B5EF4-FFF2-40B4-BE49-F238E27FC236}">
                 <a16:creationId xmlns:a16="http://schemas.microsoft.com/office/drawing/2014/main" id="{BD4886CC-2C8C-954C-82BC-3229EFDF0988}"/>
               </a:ext>
             </a:extLst>
@@ -4837,7 +5620,7 @@
 </p:sld>
 </file>
 
-<file path=ppt/slides/slide11.xml><?xml version="1.0" encoding="utf-8"?>
+<file path=ppt/slides/slide12.xml><?xml version="1.0" encoding="utf-8"?>
 <p:sld xmlns:a="http://schemas.openxmlformats.org/drawingml/2006/main" xmlns:r="http://schemas.openxmlformats.org/officeDocument/2006/relationships" xmlns:p="http://schemas.openxmlformats.org/presentationml/2006/main">
   <p:cSld>
     <p:spTree>
@@ -4960,7 +5743,7 @@
         <p:spPr>
           <a:xfrm>
             <a:off x="7248868" y="2689486"/>
-            <a:ext cx="4544834" cy="1815882"/>
+            <a:ext cx="4759636" cy="1815882"/>
           </a:xfrm>
           <a:prstGeom prst="rect">
             <a:avLst/>
@@ -4995,7 +5778,7 @@
                 <a:latin typeface="Courier New" panose="02070309020205020404" pitchFamily="49" charset="0"/>
                 <a:cs typeface="Courier New" panose="02070309020205020404" pitchFamily="49" charset="0"/>
               </a:rPr>
-              <a:t>	print "negative"</a:t>
+              <a:t>	print("negative”)</a:t>
             </a:r>
           </a:p>
           <a:p>
@@ -5004,17 +5787,21 @@
                 <a:latin typeface="Courier New" panose="02070309020205020404" pitchFamily="49" charset="0"/>
                 <a:cs typeface="Courier New" panose="02070309020205020404" pitchFamily="49" charset="0"/>
               </a:rPr>
-              <a:t>else Num &gt; 0:</a:t>
-            </a:r>
-          </a:p>
-          <a:p>
-            <a:r>
-              <a:rPr lang="en-US" sz="2800" b="1" dirty="0">
-                <a:latin typeface="Courier New" panose="02070309020205020404" pitchFamily="49" charset="0"/>
-                <a:cs typeface="Courier New" panose="02070309020205020404" pitchFamily="49" charset="0"/>
-              </a:rPr>
-              <a:t>	print "positive"</a:t>
-            </a:r>
+              <a:t>else:</a:t>
+            </a:r>
+          </a:p>
+          <a:p>
+            <a:r>
+              <a:rPr lang="en-US" sz="2800" b="1">
+                <a:latin typeface="Courier New" panose="02070309020205020404" pitchFamily="49" charset="0"/>
+                <a:cs typeface="Courier New" panose="02070309020205020404" pitchFamily="49" charset="0"/>
+              </a:rPr>
+              <a:t>	print("positive”)</a:t>
+            </a:r>
+            <a:endParaRPr lang="en-US" sz="2800" b="1" dirty="0">
+              <a:latin typeface="Courier New" panose="02070309020205020404" pitchFamily="49" charset="0"/>
+              <a:cs typeface="Courier New" panose="02070309020205020404" pitchFamily="49" charset="0"/>
+            </a:endParaRPr>
           </a:p>
         </p:txBody>
       </p:sp>
@@ -5762,7 +6549,7 @@
 </p:sld>
 </file>
 
-<file path=ppt/slides/slide12.xml><?xml version="1.0" encoding="utf-8"?>
+<file path=ppt/slides/slide13.xml><?xml version="1.0" encoding="utf-8"?>
 <p:sld xmlns:a="http://schemas.openxmlformats.org/drawingml/2006/main" xmlns:r="http://schemas.openxmlformats.org/officeDocument/2006/relationships" xmlns:p="http://schemas.openxmlformats.org/presentationml/2006/main">
   <p:cSld>
     <p:spTree>
@@ -6110,7 +6897,7 @@
 </p:sld>
 </file>
 
-<file path=ppt/slides/slide13.xml><?xml version="1.0" encoding="utf-8"?>
+<file path=ppt/slides/slide14.xml><?xml version="1.0" encoding="utf-8"?>
 <p:sld xmlns:a="http://schemas.openxmlformats.org/drawingml/2006/main" xmlns:r="http://schemas.openxmlformats.org/officeDocument/2006/relationships" xmlns:p="http://schemas.openxmlformats.org/presentationml/2006/main">
   <p:cSld>
     <p:spTree>
@@ -6527,7 +7314,7 @@
 </p:sld>
 </file>
 
-<file path=ppt/slides/slide14.xml><?xml version="1.0" encoding="utf-8"?>
+<file path=ppt/slides/slide15.xml><?xml version="1.0" encoding="utf-8"?>
 <p:sld xmlns:a="http://schemas.openxmlformats.org/drawingml/2006/main" xmlns:r="http://schemas.openxmlformats.org/officeDocument/2006/relationships" xmlns:p="http://schemas.openxmlformats.org/presentationml/2006/main">
   <p:cSld>
     <p:spTree>
@@ -7452,328 +8239,6 @@
 </p:sld>
 </file>
 
-<file path=ppt/slides/slide15.xml><?xml version="1.0" encoding="utf-8"?>
-<p:sld xmlns:a="http://schemas.openxmlformats.org/drawingml/2006/main" xmlns:r="http://schemas.openxmlformats.org/officeDocument/2006/relationships" xmlns:p="http://schemas.openxmlformats.org/presentationml/2006/main">
-  <p:cSld>
-    <p:spTree>
-      <p:nvGrpSpPr>
-        <p:cNvPr id="1" name=""/>
-        <p:cNvGrpSpPr/>
-        <p:nvPr/>
-      </p:nvGrpSpPr>
-      <p:grpSpPr>
-        <a:xfrm>
-          <a:off x="0" y="0"/>
-          <a:ext cx="0" cy="0"/>
-          <a:chOff x="0" y="0"/>
-          <a:chExt cx="0" cy="0"/>
-        </a:xfrm>
-      </p:grpSpPr>
-      <p:sp>
-        <p:nvSpPr>
-          <p:cNvPr id="2" name="Rectangle 1">
-            <a:extLst>
-              <a:ext uri="{FF2B5EF4-FFF2-40B4-BE49-F238E27FC236}">
-                <a16:creationId xmlns:a16="http://schemas.microsoft.com/office/drawing/2014/main" id="{CBC1D5C3-F1DB-104C-8012-1BECE3B4A5FD}"/>
-              </a:ext>
-            </a:extLst>
-          </p:cNvPr>
-          <p:cNvSpPr/>
-          <p:nvPr/>
-        </p:nvSpPr>
-        <p:spPr>
-          <a:xfrm>
-            <a:off x="726830" y="1643969"/>
-            <a:ext cx="10351478" cy="3970318"/>
-          </a:xfrm>
-          <a:prstGeom prst="rect">
-            <a:avLst/>
-          </a:prstGeom>
-        </p:spPr>
-        <p:txBody>
-          <a:bodyPr wrap="square">
-            <a:spAutoFit/>
-          </a:bodyPr>
-          <a:lstStyle/>
-          <a:p>
-            <a:r>
-              <a:rPr lang="en-US" sz="2800" dirty="0">
-                <a:latin typeface="Courier" pitchFamily="2" charset="0"/>
-              </a:rPr>
-              <a:t>List=[</a:t>
-            </a:r>
-            <a:r>
-              <a:rPr lang="en-US" sz="2800" dirty="0">
-                <a:solidFill>
-                  <a:srgbClr val="FF0000"/>
-                </a:solidFill>
-                <a:latin typeface="Courier" pitchFamily="2" charset="0"/>
-              </a:rPr>
-              <a:t>'1'</a:t>
-            </a:r>
-            <a:r>
-              <a:rPr lang="en-US" sz="2800" dirty="0">
-                <a:latin typeface="Courier" pitchFamily="2" charset="0"/>
-              </a:rPr>
-              <a:t>,</a:t>
-            </a:r>
-            <a:r>
-              <a:rPr lang="en-US" sz="2800" dirty="0">
-                <a:solidFill>
-                  <a:srgbClr val="FF0000"/>
-                </a:solidFill>
-                <a:latin typeface="Courier" pitchFamily="2" charset="0"/>
-              </a:rPr>
-              <a:t>'2'</a:t>
-            </a:r>
-            <a:r>
-              <a:rPr lang="en-US" sz="2800" dirty="0">
-                <a:latin typeface="Courier" pitchFamily="2" charset="0"/>
-              </a:rPr>
-              <a:t>,</a:t>
-            </a:r>
-            <a:r>
-              <a:rPr lang="en-US" sz="2800" dirty="0">
-                <a:solidFill>
-                  <a:srgbClr val="FF0000"/>
-                </a:solidFill>
-                <a:latin typeface="Courier" pitchFamily="2" charset="0"/>
-              </a:rPr>
-              <a:t>'3'</a:t>
-            </a:r>
-            <a:r>
-              <a:rPr lang="en-US" sz="2800" dirty="0">
-                <a:latin typeface="Courier" pitchFamily="2" charset="0"/>
-              </a:rPr>
-              <a:t>,</a:t>
-            </a:r>
-            <a:r>
-              <a:rPr lang="en-US" sz="2800" dirty="0">
-                <a:solidFill>
-                  <a:srgbClr val="FF0000"/>
-                </a:solidFill>
-                <a:latin typeface="Courier" pitchFamily="2" charset="0"/>
-              </a:rPr>
-              <a:t>'4'</a:t>
-            </a:r>
-            <a:r>
-              <a:rPr lang="en-US" sz="2800" dirty="0">
-                <a:latin typeface="Courier" pitchFamily="2" charset="0"/>
-              </a:rPr>
-              <a:t>,</a:t>
-            </a:r>
-            <a:r>
-              <a:rPr lang="en-US" sz="2800" dirty="0">
-                <a:solidFill>
-                  <a:srgbClr val="FF0000"/>
-                </a:solidFill>
-                <a:latin typeface="Courier" pitchFamily="2" charset="0"/>
-              </a:rPr>
-              <a:t>'5'</a:t>
-            </a:r>
-            <a:r>
-              <a:rPr lang="en-US" sz="2800" dirty="0">
-                <a:latin typeface="Courier" pitchFamily="2" charset="0"/>
-              </a:rPr>
-              <a:t>,</a:t>
-            </a:r>
-            <a:r>
-              <a:rPr lang="en-US" sz="2800" dirty="0">
-                <a:solidFill>
-                  <a:srgbClr val="FF0000"/>
-                </a:solidFill>
-                <a:latin typeface="Courier" pitchFamily="2" charset="0"/>
-              </a:rPr>
-              <a:t>'6'</a:t>
-            </a:r>
-            <a:r>
-              <a:rPr lang="en-US" sz="2800" dirty="0">
-                <a:latin typeface="Courier" pitchFamily="2" charset="0"/>
-              </a:rPr>
-              <a:t>,</a:t>
-            </a:r>
-            <a:r>
-              <a:rPr lang="en-US" sz="2800" dirty="0">
-                <a:solidFill>
-                  <a:srgbClr val="FF0000"/>
-                </a:solidFill>
-                <a:latin typeface="Courier" pitchFamily="2" charset="0"/>
-              </a:rPr>
-              <a:t>'7'</a:t>
-            </a:r>
-            <a:r>
-              <a:rPr lang="en-US" sz="2800" dirty="0">
-                <a:latin typeface="Courier" pitchFamily="2" charset="0"/>
-              </a:rPr>
-              <a:t>,</a:t>
-            </a:r>
-            <a:r>
-              <a:rPr lang="en-US" sz="2800" dirty="0">
-                <a:solidFill>
-                  <a:srgbClr val="FF0000"/>
-                </a:solidFill>
-                <a:latin typeface="Courier" pitchFamily="2" charset="0"/>
-              </a:rPr>
-              <a:t>'8'</a:t>
-            </a:r>
-            <a:r>
-              <a:rPr lang="en-US" sz="2800" dirty="0">
-                <a:latin typeface="Courier" pitchFamily="2" charset="0"/>
-              </a:rPr>
-              <a:t>,</a:t>
-            </a:r>
-            <a:r>
-              <a:rPr lang="en-US" sz="2800" dirty="0">
-                <a:solidFill>
-                  <a:srgbClr val="FF0000"/>
-                </a:solidFill>
-                <a:latin typeface="Courier" pitchFamily="2" charset="0"/>
-              </a:rPr>
-              <a:t>'9'</a:t>
-            </a:r>
-            <a:r>
-              <a:rPr lang="en-US" sz="2800" dirty="0">
-                <a:latin typeface="Courier" pitchFamily="2" charset="0"/>
-              </a:rPr>
-              <a:t>,</a:t>
-            </a:r>
-            <a:r>
-              <a:rPr lang="en-US" sz="2800" dirty="0">
-                <a:solidFill>
-                  <a:srgbClr val="FF0000"/>
-                </a:solidFill>
-                <a:latin typeface="Courier" pitchFamily="2" charset="0"/>
-              </a:rPr>
-              <a:t>'10'</a:t>
-            </a:r>
-            <a:r>
-              <a:rPr lang="en-US" sz="2800" dirty="0">
-                <a:latin typeface="Courier" pitchFamily="2" charset="0"/>
-              </a:rPr>
-              <a:t>] </a:t>
-            </a:r>
-          </a:p>
-          <a:p>
-            <a:endParaRPr lang="en-US" sz="2800" dirty="0">
-              <a:latin typeface="Courier" pitchFamily="2" charset="0"/>
-            </a:endParaRPr>
-          </a:p>
-          <a:p>
-            <a:r>
-              <a:rPr lang="en-US" sz="2800" dirty="0">
-                <a:latin typeface="Courier" pitchFamily="2" charset="0"/>
-              </a:rPr>
-              <a:t>CTR = 0 </a:t>
-            </a:r>
-          </a:p>
-          <a:p>
-            <a:endParaRPr lang="en-US" sz="2800" dirty="0">
-              <a:latin typeface="Courier" pitchFamily="2" charset="0"/>
-            </a:endParaRPr>
-          </a:p>
-          <a:p>
-            <a:r>
-              <a:rPr lang="en-US" sz="2800" dirty="0">
-                <a:solidFill>
-                  <a:srgbClr val="92D050"/>
-                </a:solidFill>
-                <a:latin typeface="Courier" pitchFamily="2" charset="0"/>
-              </a:rPr>
-              <a:t>for</a:t>
-            </a:r>
-            <a:r>
-              <a:rPr lang="en-US" sz="2800" dirty="0">
-                <a:latin typeface="Courier" pitchFamily="2" charset="0"/>
-              </a:rPr>
-              <a:t> Num </a:t>
-            </a:r>
-            <a:r>
-              <a:rPr lang="en-US" sz="2800" dirty="0">
-                <a:solidFill>
-                  <a:srgbClr val="AF76DE"/>
-                </a:solidFill>
-                <a:latin typeface="Courier" pitchFamily="2" charset="0"/>
-              </a:rPr>
-              <a:t>in</a:t>
-            </a:r>
-            <a:r>
-              <a:rPr lang="en-US" sz="2800" dirty="0">
-                <a:latin typeface="Courier" pitchFamily="2" charset="0"/>
-              </a:rPr>
-              <a:t> List:</a:t>
-            </a:r>
-          </a:p>
-          <a:p>
-            <a:r>
-              <a:rPr lang="en-US" sz="2800" dirty="0">
-                <a:latin typeface="Courier" pitchFamily="2" charset="0"/>
-              </a:rPr>
-              <a:t>	</a:t>
-            </a:r>
-          </a:p>
-          <a:p>
-            <a:r>
-              <a:rPr lang="en-US" sz="2800" dirty="0">
-                <a:latin typeface="Courier" pitchFamily="2" charset="0"/>
-              </a:rPr>
-              <a:t>	</a:t>
-            </a:r>
-            <a:r>
-              <a:rPr lang="en-US" sz="2800" dirty="0">
-                <a:solidFill>
-                  <a:srgbClr val="92D050"/>
-                </a:solidFill>
-                <a:latin typeface="Courier" pitchFamily="2" charset="0"/>
-              </a:rPr>
-              <a:t>print</a:t>
-            </a:r>
-            <a:r>
-              <a:rPr lang="en-US" sz="2800" dirty="0">
-                <a:solidFill>
-                  <a:srgbClr val="FF0000"/>
-                </a:solidFill>
-                <a:latin typeface="Courier" pitchFamily="2" charset="0"/>
-              </a:rPr>
-              <a:t>("List index is :"</a:t>
-            </a:r>
-            <a:r>
-              <a:rPr lang="en-US" sz="2800" dirty="0">
-                <a:latin typeface="Courier" pitchFamily="2" charset="0"/>
-              </a:rPr>
-              <a:t>, CTR)</a:t>
-            </a:r>
-          </a:p>
-          <a:p>
-            <a:r>
-              <a:rPr lang="en-US" sz="2800" dirty="0">
-                <a:latin typeface="Courier" pitchFamily="2" charset="0"/>
-              </a:rPr>
-              <a:t>	</a:t>
-            </a:r>
-          </a:p>
-          <a:p>
-            <a:r>
-              <a:rPr lang="en-US" sz="2800" dirty="0">
-                <a:latin typeface="Courier" pitchFamily="2" charset="0"/>
-              </a:rPr>
-              <a:t>	CTR += 1 </a:t>
-            </a:r>
-          </a:p>
-        </p:txBody>
-      </p:sp>
-    </p:spTree>
-    <p:extLst>
-      <p:ext uri="{BB962C8B-B14F-4D97-AF65-F5344CB8AC3E}">
-        <p14:creationId xmlns:p14="http://schemas.microsoft.com/office/powerpoint/2010/main" val="2145875457"/>
-      </p:ext>
-    </p:extLst>
-  </p:cSld>
-  <p:clrMapOvr>
-    <a:masterClrMapping/>
-  </p:clrMapOvr>
-</p:sld>
-</file>
-
 <file path=ppt/slides/slide16.xml><?xml version="1.0" encoding="utf-8"?>
 <p:sld xmlns:a="http://schemas.openxmlformats.org/drawingml/2006/main" xmlns:r="http://schemas.openxmlformats.org/officeDocument/2006/relationships" xmlns:p="http://schemas.openxmlformats.org/presentationml/2006/main">
   <p:cSld>
@@ -7793,243 +8258,292 @@
       </p:grpSpPr>
       <p:sp>
         <p:nvSpPr>
-          <p:cNvPr id="2" name="TextBox 1">
-            <a:extLst>
-              <a:ext uri="{FF2B5EF4-FFF2-40B4-BE49-F238E27FC236}">
-                <a16:creationId xmlns:a16="http://schemas.microsoft.com/office/drawing/2014/main" id="{4710A132-F479-7B4D-90DF-92D2042E73B8}"/>
-              </a:ext>
-            </a:extLst>
-          </p:cNvPr>
-          <p:cNvSpPr txBox="1"/>
+          <p:cNvPr id="2" name="Rectangle 1">
+            <a:extLst>
+              <a:ext uri="{FF2B5EF4-FFF2-40B4-BE49-F238E27FC236}">
+                <a16:creationId xmlns:a16="http://schemas.microsoft.com/office/drawing/2014/main" id="{CBC1D5C3-F1DB-104C-8012-1BECE3B4A5FD}"/>
+              </a:ext>
+            </a:extLst>
+          </p:cNvPr>
+          <p:cNvSpPr/>
           <p:nvPr/>
         </p:nvSpPr>
         <p:spPr>
           <a:xfrm>
-            <a:off x="710899" y="1254077"/>
-            <a:ext cx="10631054" cy="892552"/>
+            <a:off x="726830" y="1643969"/>
+            <a:ext cx="10351478" cy="3970318"/>
           </a:xfrm>
           <a:prstGeom prst="rect">
             <a:avLst/>
           </a:prstGeom>
-          <a:noFill/>
-        </p:spPr>
-        <p:txBody>
-          <a:bodyPr wrap="square" rtlCol="0">
+        </p:spPr>
+        <p:txBody>
+          <a:bodyPr wrap="square">
             <a:spAutoFit/>
           </a:bodyPr>
           <a:lstStyle/>
           <a:p>
             <a:r>
-              <a:rPr lang="en-US" sz="2600" dirty="0">
-                <a:latin typeface="Helvetica Light" panose="020B0403020202020204" pitchFamily="34" charset="0"/>
-              </a:rPr>
-              <a:t>1. Write the specified scripts in Chapter 9 (focusing on lists, we will 		come back to dictionaries later in more detail)</a:t>
-            </a:r>
-          </a:p>
-        </p:txBody>
-      </p:sp>
-      <p:sp>
-        <p:nvSpPr>
-          <p:cNvPr id="3" name="TextBox 2">
-            <a:extLst>
-              <a:ext uri="{FF2B5EF4-FFF2-40B4-BE49-F238E27FC236}">
-                <a16:creationId xmlns:a16="http://schemas.microsoft.com/office/drawing/2014/main" id="{83DEACCF-7E0D-8A4F-9D6C-B787233F3FA7}"/>
-              </a:ext>
-            </a:extLst>
-          </p:cNvPr>
-          <p:cNvSpPr txBox="1"/>
-          <p:nvPr/>
-        </p:nvSpPr>
-        <p:spPr>
-          <a:xfrm>
-            <a:off x="710899" y="2710177"/>
-            <a:ext cx="11460299" cy="492443"/>
-          </a:xfrm>
-          <a:prstGeom prst="rect">
-            <a:avLst/>
-          </a:prstGeom>
-          <a:noFill/>
-        </p:spPr>
-        <p:txBody>
-          <a:bodyPr wrap="square" rtlCol="0">
-            <a:spAutoFit/>
-          </a:bodyPr>
-          <a:lstStyle/>
-          <a:p>
-            <a:r>
-              <a:rPr lang="en-US" sz="2600" dirty="0">
-                <a:latin typeface="Helvetica Light" panose="020B0403020202020204" pitchFamily="34" charset="0"/>
-              </a:rPr>
-              <a:t>2. Review</a:t>
-            </a:r>
-            <a:r>
-              <a:rPr lang="en-US" sz="2600" dirty="0"/>
-              <a:t> </a:t>
-            </a:r>
-            <a:r>
-              <a:rPr lang="en-US" sz="2600" b="1" dirty="0">
-                <a:latin typeface="Helvetica Light" panose="020B0403020202020204" pitchFamily="34" charset="0"/>
-              </a:rPr>
-              <a:t>python_2_primer.md</a:t>
-            </a:r>
-            <a:r>
-              <a:rPr lang="en-US" sz="2600" dirty="0">
-                <a:latin typeface="Helvetica Light" panose="020B0403020202020204" pitchFamily="34" charset="0"/>
-              </a:rPr>
-              <a:t>, write scripts in </a:t>
-            </a:r>
-            <a:r>
-              <a:rPr lang="en-US" sz="2600" b="1" dirty="0" err="1">
-                <a:latin typeface="Helvetica Light" panose="020B0403020202020204" pitchFamily="34" charset="0"/>
-              </a:rPr>
-              <a:t>assignment_pythonII.md</a:t>
-            </a:r>
-            <a:r>
-              <a:rPr lang="en-US" sz="2600" b="1" dirty="0">
-                <a:latin typeface="Helvetica Light" panose="020B0403020202020204" pitchFamily="34" charset="0"/>
-              </a:rPr>
-              <a:t>  </a:t>
-            </a:r>
-          </a:p>
-        </p:txBody>
-      </p:sp>
-      <p:sp>
-        <p:nvSpPr>
-          <p:cNvPr id="4" name="TextBox 3">
-            <a:extLst>
-              <a:ext uri="{FF2B5EF4-FFF2-40B4-BE49-F238E27FC236}">
-                <a16:creationId xmlns:a16="http://schemas.microsoft.com/office/drawing/2014/main" id="{41A4EA31-EF2A-F045-A761-D6ECF013E8E0}"/>
-              </a:ext>
-            </a:extLst>
-          </p:cNvPr>
-          <p:cNvSpPr txBox="1"/>
-          <p:nvPr/>
-        </p:nvSpPr>
-        <p:spPr>
-          <a:xfrm>
-            <a:off x="710899" y="3970377"/>
-            <a:ext cx="11820117" cy="892552"/>
-          </a:xfrm>
-          <a:prstGeom prst="rect">
-            <a:avLst/>
-          </a:prstGeom>
-          <a:noFill/>
-        </p:spPr>
-        <p:txBody>
-          <a:bodyPr wrap="square" rtlCol="0">
-            <a:spAutoFit/>
-          </a:bodyPr>
-          <a:lstStyle/>
-          <a:p>
-            <a:r>
-              <a:rPr lang="en-US" sz="2600" dirty="0">
-                <a:latin typeface="Helvetica Light" panose="020B0403020202020204" pitchFamily="34" charset="0"/>
-              </a:rPr>
-              <a:t>3. Turn in </a:t>
-            </a:r>
-            <a:r>
-              <a:rPr lang="en-US" sz="2600" b="1" dirty="0">
-                <a:latin typeface="Helvetica Light" panose="020B0403020202020204" pitchFamily="34" charset="0"/>
-              </a:rPr>
-              <a:t>scripts 2 and 3 </a:t>
-            </a:r>
-            <a:r>
-              <a:rPr lang="en-US" sz="2600" dirty="0">
-                <a:latin typeface="Helvetica Light" panose="020B0403020202020204" pitchFamily="34" charset="0"/>
-              </a:rPr>
-              <a:t>from assignment. Short project description 1-pager due by October 18  (if you haven’t sent already).</a:t>
-            </a:r>
-          </a:p>
-        </p:txBody>
-      </p:sp>
-      <p:sp>
-        <p:nvSpPr>
-          <p:cNvPr id="9" name="TextBox 8">
-            <a:extLst>
-              <a:ext uri="{FF2B5EF4-FFF2-40B4-BE49-F238E27FC236}">
-                <a16:creationId xmlns:a16="http://schemas.microsoft.com/office/drawing/2014/main" id="{992ADA15-4743-BA44-8F7E-3D8654035256}"/>
-              </a:ext>
-            </a:extLst>
-          </p:cNvPr>
-          <p:cNvSpPr txBox="1"/>
-          <p:nvPr/>
-        </p:nvSpPr>
-        <p:spPr>
-          <a:xfrm>
-            <a:off x="710899" y="5501190"/>
-            <a:ext cx="11820117" cy="492443"/>
-          </a:xfrm>
-          <a:prstGeom prst="rect">
-            <a:avLst/>
-          </a:prstGeom>
-          <a:noFill/>
-        </p:spPr>
-        <p:txBody>
-          <a:bodyPr wrap="square" rtlCol="0">
-            <a:spAutoFit/>
-          </a:bodyPr>
-          <a:lstStyle/>
-          <a:p>
-            <a:r>
-              <a:rPr lang="en-US" sz="2600" b="1" dirty="0">
-                <a:latin typeface="Helvetica Light" panose="020B0403020202020204" pitchFamily="34" charset="0"/>
-              </a:rPr>
-              <a:t>Next Week</a:t>
-            </a:r>
-            <a:r>
-              <a:rPr lang="en-US" sz="2600" dirty="0">
-                <a:latin typeface="Helvetica Light" panose="020B0403020202020204" pitchFamily="34" charset="0"/>
-              </a:rPr>
-              <a:t>: working with files (chapter 10), </a:t>
-            </a:r>
-            <a:r>
-              <a:rPr lang="en-US" sz="2600">
-                <a:latin typeface="Helvetica Light" panose="020B0403020202020204" pitchFamily="34" charset="0"/>
-              </a:rPr>
-              <a:t>controlling input/output</a:t>
-            </a:r>
-            <a:r>
-              <a:rPr lang="en-US" sz="2600" dirty="0">
-                <a:latin typeface="Helvetica Light" panose="020B0403020202020204" pitchFamily="34" charset="0"/>
-              </a:rPr>
-              <a:t>.</a:t>
-            </a:r>
-          </a:p>
-        </p:txBody>
-      </p:sp>
-      <p:sp>
-        <p:nvSpPr>
-          <p:cNvPr id="10" name="TextBox 9">
-            <a:extLst>
-              <a:ext uri="{FF2B5EF4-FFF2-40B4-BE49-F238E27FC236}">
-                <a16:creationId xmlns:a16="http://schemas.microsoft.com/office/drawing/2014/main" id="{F13B87F7-AD03-9E46-AD4E-2474F471165F}"/>
-              </a:ext>
-            </a:extLst>
-          </p:cNvPr>
-          <p:cNvSpPr txBox="1"/>
-          <p:nvPr/>
-        </p:nvSpPr>
-        <p:spPr>
-          <a:xfrm>
-            <a:off x="4110677" y="264203"/>
-            <a:ext cx="3948517" cy="600164"/>
-          </a:xfrm>
-          <a:prstGeom prst="rect">
-            <a:avLst/>
-          </a:prstGeom>
-          <a:noFill/>
-        </p:spPr>
-        <p:txBody>
-          <a:bodyPr wrap="none" rtlCol="0">
-            <a:spAutoFit/>
-          </a:bodyPr>
-          <a:lstStyle/>
-          <a:p>
-            <a:r>
-              <a:rPr lang="en-US" sz="3300" dirty="0">
-                <a:latin typeface="Helvetica Light" panose="020B0403020202020204" pitchFamily="34" charset="0"/>
-              </a:rPr>
-              <a:t>This week and next</a:t>
+              <a:rPr lang="en-US" sz="2800" dirty="0">
+                <a:latin typeface="Courier" pitchFamily="2" charset="0"/>
+              </a:rPr>
+              <a:t>List=[</a:t>
+            </a:r>
+            <a:r>
+              <a:rPr lang="en-US" sz="2800" dirty="0">
+                <a:solidFill>
+                  <a:srgbClr val="FF0000"/>
+                </a:solidFill>
+                <a:latin typeface="Courier" pitchFamily="2" charset="0"/>
+              </a:rPr>
+              <a:t>'1'</a:t>
+            </a:r>
+            <a:r>
+              <a:rPr lang="en-US" sz="2800" dirty="0">
+                <a:latin typeface="Courier" pitchFamily="2" charset="0"/>
+              </a:rPr>
+              <a:t>,</a:t>
+            </a:r>
+            <a:r>
+              <a:rPr lang="en-US" sz="2800" dirty="0">
+                <a:solidFill>
+                  <a:srgbClr val="FF0000"/>
+                </a:solidFill>
+                <a:latin typeface="Courier" pitchFamily="2" charset="0"/>
+              </a:rPr>
+              <a:t>'2'</a:t>
+            </a:r>
+            <a:r>
+              <a:rPr lang="en-US" sz="2800" dirty="0">
+                <a:latin typeface="Courier" pitchFamily="2" charset="0"/>
+              </a:rPr>
+              <a:t>,</a:t>
+            </a:r>
+            <a:r>
+              <a:rPr lang="en-US" sz="2800" dirty="0">
+                <a:solidFill>
+                  <a:srgbClr val="FF0000"/>
+                </a:solidFill>
+                <a:latin typeface="Courier" pitchFamily="2" charset="0"/>
+              </a:rPr>
+              <a:t>'3'</a:t>
+            </a:r>
+            <a:r>
+              <a:rPr lang="en-US" sz="2800" dirty="0">
+                <a:latin typeface="Courier" pitchFamily="2" charset="0"/>
+              </a:rPr>
+              <a:t>,</a:t>
+            </a:r>
+            <a:r>
+              <a:rPr lang="en-US" sz="2800" dirty="0">
+                <a:solidFill>
+                  <a:srgbClr val="FF0000"/>
+                </a:solidFill>
+                <a:latin typeface="Courier" pitchFamily="2" charset="0"/>
+              </a:rPr>
+              <a:t>'4'</a:t>
+            </a:r>
+            <a:r>
+              <a:rPr lang="en-US" sz="2800" dirty="0">
+                <a:latin typeface="Courier" pitchFamily="2" charset="0"/>
+              </a:rPr>
+              <a:t>,</a:t>
+            </a:r>
+            <a:r>
+              <a:rPr lang="en-US" sz="2800" dirty="0">
+                <a:solidFill>
+                  <a:srgbClr val="FF0000"/>
+                </a:solidFill>
+                <a:latin typeface="Courier" pitchFamily="2" charset="0"/>
+              </a:rPr>
+              <a:t>'5'</a:t>
+            </a:r>
+            <a:r>
+              <a:rPr lang="en-US" sz="2800" dirty="0">
+                <a:latin typeface="Courier" pitchFamily="2" charset="0"/>
+              </a:rPr>
+              <a:t>,</a:t>
+            </a:r>
+            <a:r>
+              <a:rPr lang="en-US" sz="2800" dirty="0">
+                <a:solidFill>
+                  <a:srgbClr val="FF0000"/>
+                </a:solidFill>
+                <a:latin typeface="Courier" pitchFamily="2" charset="0"/>
+              </a:rPr>
+              <a:t>'6'</a:t>
+            </a:r>
+            <a:r>
+              <a:rPr lang="en-US" sz="2800" dirty="0">
+                <a:latin typeface="Courier" pitchFamily="2" charset="0"/>
+              </a:rPr>
+              <a:t>,</a:t>
+            </a:r>
+            <a:r>
+              <a:rPr lang="en-US" sz="2800" dirty="0">
+                <a:solidFill>
+                  <a:srgbClr val="FF0000"/>
+                </a:solidFill>
+                <a:latin typeface="Courier" pitchFamily="2" charset="0"/>
+              </a:rPr>
+              <a:t>'7'</a:t>
+            </a:r>
+            <a:r>
+              <a:rPr lang="en-US" sz="2800" dirty="0">
+                <a:latin typeface="Courier" pitchFamily="2" charset="0"/>
+              </a:rPr>
+              <a:t>,</a:t>
+            </a:r>
+            <a:r>
+              <a:rPr lang="en-US" sz="2800" dirty="0">
+                <a:solidFill>
+                  <a:srgbClr val="FF0000"/>
+                </a:solidFill>
+                <a:latin typeface="Courier" pitchFamily="2" charset="0"/>
+              </a:rPr>
+              <a:t>'8'</a:t>
+            </a:r>
+            <a:r>
+              <a:rPr lang="en-US" sz="2800" dirty="0">
+                <a:latin typeface="Courier" pitchFamily="2" charset="0"/>
+              </a:rPr>
+              <a:t>,</a:t>
+            </a:r>
+            <a:r>
+              <a:rPr lang="en-US" sz="2800" dirty="0">
+                <a:solidFill>
+                  <a:srgbClr val="FF0000"/>
+                </a:solidFill>
+                <a:latin typeface="Courier" pitchFamily="2" charset="0"/>
+              </a:rPr>
+              <a:t>'9'</a:t>
+            </a:r>
+            <a:r>
+              <a:rPr lang="en-US" sz="2800" dirty="0">
+                <a:latin typeface="Courier" pitchFamily="2" charset="0"/>
+              </a:rPr>
+              <a:t>,</a:t>
+            </a:r>
+            <a:r>
+              <a:rPr lang="en-US" sz="2800" dirty="0">
+                <a:solidFill>
+                  <a:srgbClr val="FF0000"/>
+                </a:solidFill>
+                <a:latin typeface="Courier" pitchFamily="2" charset="0"/>
+              </a:rPr>
+              <a:t>'10'</a:t>
+            </a:r>
+            <a:r>
+              <a:rPr lang="en-US" sz="2800" dirty="0">
+                <a:latin typeface="Courier" pitchFamily="2" charset="0"/>
+              </a:rPr>
+              <a:t>] </a:t>
+            </a:r>
+          </a:p>
+          <a:p>
+            <a:endParaRPr lang="en-US" sz="2800" dirty="0">
+              <a:latin typeface="Courier" pitchFamily="2" charset="0"/>
+            </a:endParaRPr>
+          </a:p>
+          <a:p>
+            <a:r>
+              <a:rPr lang="en-US" sz="2800" dirty="0">
+                <a:latin typeface="Courier" pitchFamily="2" charset="0"/>
+              </a:rPr>
+              <a:t>CTR = 0 </a:t>
+            </a:r>
+          </a:p>
+          <a:p>
+            <a:endParaRPr lang="en-US" sz="2800" dirty="0">
+              <a:latin typeface="Courier" pitchFamily="2" charset="0"/>
+            </a:endParaRPr>
+          </a:p>
+          <a:p>
+            <a:r>
+              <a:rPr lang="en-US" sz="2800" dirty="0">
+                <a:solidFill>
+                  <a:srgbClr val="92D050"/>
+                </a:solidFill>
+                <a:latin typeface="Courier" pitchFamily="2" charset="0"/>
+              </a:rPr>
+              <a:t>for</a:t>
+            </a:r>
+            <a:r>
+              <a:rPr lang="en-US" sz="2800" dirty="0">
+                <a:latin typeface="Courier" pitchFamily="2" charset="0"/>
+              </a:rPr>
+              <a:t> Num </a:t>
+            </a:r>
+            <a:r>
+              <a:rPr lang="en-US" sz="2800" dirty="0">
+                <a:solidFill>
+                  <a:srgbClr val="AF76DE"/>
+                </a:solidFill>
+                <a:latin typeface="Courier" pitchFamily="2" charset="0"/>
+              </a:rPr>
+              <a:t>in</a:t>
+            </a:r>
+            <a:r>
+              <a:rPr lang="en-US" sz="2800" dirty="0">
+                <a:latin typeface="Courier" pitchFamily="2" charset="0"/>
+              </a:rPr>
+              <a:t> List:</a:t>
+            </a:r>
+          </a:p>
+          <a:p>
+            <a:r>
+              <a:rPr lang="en-US" sz="2800" dirty="0">
+                <a:latin typeface="Courier" pitchFamily="2" charset="0"/>
+              </a:rPr>
+              <a:t>	</a:t>
+            </a:r>
+          </a:p>
+          <a:p>
+            <a:r>
+              <a:rPr lang="en-US" sz="2800" dirty="0">
+                <a:latin typeface="Courier" pitchFamily="2" charset="0"/>
+              </a:rPr>
+              <a:t>	</a:t>
+            </a:r>
+            <a:r>
+              <a:rPr lang="en-US" sz="2800" dirty="0">
+                <a:solidFill>
+                  <a:srgbClr val="92D050"/>
+                </a:solidFill>
+                <a:latin typeface="Courier" pitchFamily="2" charset="0"/>
+              </a:rPr>
+              <a:t>print</a:t>
+            </a:r>
+            <a:r>
+              <a:rPr lang="en-US" sz="2800" dirty="0">
+                <a:solidFill>
+                  <a:srgbClr val="FF0000"/>
+                </a:solidFill>
+                <a:latin typeface="Courier" pitchFamily="2" charset="0"/>
+              </a:rPr>
+              <a:t>("List index is :"</a:t>
+            </a:r>
+            <a:r>
+              <a:rPr lang="en-US" sz="2800" dirty="0">
+                <a:latin typeface="Courier" pitchFamily="2" charset="0"/>
+              </a:rPr>
+              <a:t>, CTR)</a:t>
+            </a:r>
+          </a:p>
+          <a:p>
+            <a:r>
+              <a:rPr lang="en-US" sz="2800" dirty="0">
+                <a:latin typeface="Courier" pitchFamily="2" charset="0"/>
+              </a:rPr>
+              <a:t>	</a:t>
+            </a:r>
+          </a:p>
+          <a:p>
+            <a:r>
+              <a:rPr lang="en-US" sz="2800" dirty="0">
+                <a:latin typeface="Courier" pitchFamily="2" charset="0"/>
+              </a:rPr>
+              <a:t>	CTR += 1 </a:t>
             </a:r>
           </a:p>
         </p:txBody>
@@ -8037,7 +8551,7 @@
     </p:spTree>
     <p:extLst>
       <p:ext uri="{BB962C8B-B14F-4D97-AF65-F5344CB8AC3E}">
-        <p14:creationId xmlns:p14="http://schemas.microsoft.com/office/powerpoint/2010/main" val="753436531"/>
+        <p14:creationId xmlns:p14="http://schemas.microsoft.com/office/powerpoint/2010/main" val="2145875457"/>
       </p:ext>
     </p:extLst>
   </p:cSld>
@@ -8069,6 +8583,279 @@
           <p:cNvPr id="2" name="TextBox 1">
             <a:extLst>
               <a:ext uri="{FF2B5EF4-FFF2-40B4-BE49-F238E27FC236}">
+                <a16:creationId xmlns:a16="http://schemas.microsoft.com/office/drawing/2014/main" id="{4710A132-F479-7B4D-90DF-92D2042E73B8}"/>
+              </a:ext>
+            </a:extLst>
+          </p:cNvPr>
+          <p:cNvSpPr txBox="1"/>
+          <p:nvPr/>
+        </p:nvSpPr>
+        <p:spPr>
+          <a:xfrm>
+            <a:off x="710899" y="1254077"/>
+            <a:ext cx="10631054" cy="892552"/>
+          </a:xfrm>
+          <a:prstGeom prst="rect">
+            <a:avLst/>
+          </a:prstGeom>
+          <a:noFill/>
+        </p:spPr>
+        <p:txBody>
+          <a:bodyPr wrap="square" rtlCol="0">
+            <a:spAutoFit/>
+          </a:bodyPr>
+          <a:lstStyle/>
+          <a:p>
+            <a:r>
+              <a:rPr lang="en-US" sz="2600" dirty="0">
+                <a:latin typeface="Helvetica Light" panose="020B0403020202020204" pitchFamily="34" charset="0"/>
+              </a:rPr>
+              <a:t>1. Write the specified scripts in Chapter 9 (focusing on lists, we will 		come back to dictionaries later in more detail)</a:t>
+            </a:r>
+          </a:p>
+        </p:txBody>
+      </p:sp>
+      <p:sp>
+        <p:nvSpPr>
+          <p:cNvPr id="3" name="TextBox 2">
+            <a:extLst>
+              <a:ext uri="{FF2B5EF4-FFF2-40B4-BE49-F238E27FC236}">
+                <a16:creationId xmlns:a16="http://schemas.microsoft.com/office/drawing/2014/main" id="{83DEACCF-7E0D-8A4F-9D6C-B787233F3FA7}"/>
+              </a:ext>
+            </a:extLst>
+          </p:cNvPr>
+          <p:cNvSpPr txBox="1"/>
+          <p:nvPr/>
+        </p:nvSpPr>
+        <p:spPr>
+          <a:xfrm>
+            <a:off x="710899" y="2710177"/>
+            <a:ext cx="11460299" cy="492443"/>
+          </a:xfrm>
+          <a:prstGeom prst="rect">
+            <a:avLst/>
+          </a:prstGeom>
+          <a:noFill/>
+        </p:spPr>
+        <p:txBody>
+          <a:bodyPr wrap="square" rtlCol="0">
+            <a:spAutoFit/>
+          </a:bodyPr>
+          <a:lstStyle/>
+          <a:p>
+            <a:r>
+              <a:rPr lang="en-US" sz="2600" dirty="0">
+                <a:latin typeface="Helvetica Light" panose="020B0403020202020204" pitchFamily="34" charset="0"/>
+              </a:rPr>
+              <a:t>2. Review</a:t>
+            </a:r>
+            <a:r>
+              <a:rPr lang="en-US" sz="2600" dirty="0"/>
+              <a:t> </a:t>
+            </a:r>
+            <a:r>
+              <a:rPr lang="en-US" sz="2600" b="1" dirty="0">
+                <a:latin typeface="Helvetica Light" panose="020B0403020202020204" pitchFamily="34" charset="0"/>
+              </a:rPr>
+              <a:t>python_2_primer.md</a:t>
+            </a:r>
+            <a:r>
+              <a:rPr lang="en-US" sz="2600" dirty="0">
+                <a:latin typeface="Helvetica Light" panose="020B0403020202020204" pitchFamily="34" charset="0"/>
+              </a:rPr>
+              <a:t>, write scripts in </a:t>
+            </a:r>
+            <a:r>
+              <a:rPr lang="en-US" sz="2600" b="1" dirty="0" err="1">
+                <a:latin typeface="Helvetica Light" panose="020B0403020202020204" pitchFamily="34" charset="0"/>
+              </a:rPr>
+              <a:t>assignment_pythonII.md</a:t>
+            </a:r>
+            <a:r>
+              <a:rPr lang="en-US" sz="2600" b="1" dirty="0">
+                <a:latin typeface="Helvetica Light" panose="020B0403020202020204" pitchFamily="34" charset="0"/>
+              </a:rPr>
+              <a:t>  </a:t>
+            </a:r>
+          </a:p>
+        </p:txBody>
+      </p:sp>
+      <p:sp>
+        <p:nvSpPr>
+          <p:cNvPr id="4" name="TextBox 3">
+            <a:extLst>
+              <a:ext uri="{FF2B5EF4-FFF2-40B4-BE49-F238E27FC236}">
+                <a16:creationId xmlns:a16="http://schemas.microsoft.com/office/drawing/2014/main" id="{41A4EA31-EF2A-F045-A761-D6ECF013E8E0}"/>
+              </a:ext>
+            </a:extLst>
+          </p:cNvPr>
+          <p:cNvSpPr txBox="1"/>
+          <p:nvPr/>
+        </p:nvSpPr>
+        <p:spPr>
+          <a:xfrm>
+            <a:off x="710899" y="3970377"/>
+            <a:ext cx="11820117" cy="892552"/>
+          </a:xfrm>
+          <a:prstGeom prst="rect">
+            <a:avLst/>
+          </a:prstGeom>
+          <a:noFill/>
+        </p:spPr>
+        <p:txBody>
+          <a:bodyPr wrap="square" rtlCol="0">
+            <a:spAutoFit/>
+          </a:bodyPr>
+          <a:lstStyle/>
+          <a:p>
+            <a:r>
+              <a:rPr lang="en-US" sz="2600" dirty="0">
+                <a:latin typeface="Helvetica Light" panose="020B0403020202020204" pitchFamily="34" charset="0"/>
+              </a:rPr>
+              <a:t>3. Turn in </a:t>
+            </a:r>
+            <a:r>
+              <a:rPr lang="en-US" sz="2600" b="1" dirty="0">
+                <a:latin typeface="Helvetica Light" panose="020B0403020202020204" pitchFamily="34" charset="0"/>
+              </a:rPr>
+              <a:t>scripts 2 and 3 </a:t>
+            </a:r>
+            <a:r>
+              <a:rPr lang="en-US" sz="2600" dirty="0">
+                <a:latin typeface="Helvetica Light" panose="020B0403020202020204" pitchFamily="34" charset="0"/>
+              </a:rPr>
+              <a:t>from assignment. Short project description 1-pager due by October 18  (if you haven’t sent already).</a:t>
+            </a:r>
+          </a:p>
+        </p:txBody>
+      </p:sp>
+      <p:sp>
+        <p:nvSpPr>
+          <p:cNvPr id="9" name="TextBox 8">
+            <a:extLst>
+              <a:ext uri="{FF2B5EF4-FFF2-40B4-BE49-F238E27FC236}">
+                <a16:creationId xmlns:a16="http://schemas.microsoft.com/office/drawing/2014/main" id="{992ADA15-4743-BA44-8F7E-3D8654035256}"/>
+              </a:ext>
+            </a:extLst>
+          </p:cNvPr>
+          <p:cNvSpPr txBox="1"/>
+          <p:nvPr/>
+        </p:nvSpPr>
+        <p:spPr>
+          <a:xfrm>
+            <a:off x="710899" y="5501190"/>
+            <a:ext cx="11820117" cy="492443"/>
+          </a:xfrm>
+          <a:prstGeom prst="rect">
+            <a:avLst/>
+          </a:prstGeom>
+          <a:noFill/>
+        </p:spPr>
+        <p:txBody>
+          <a:bodyPr wrap="square" rtlCol="0">
+            <a:spAutoFit/>
+          </a:bodyPr>
+          <a:lstStyle/>
+          <a:p>
+            <a:r>
+              <a:rPr lang="en-US" sz="2600" b="1" dirty="0">
+                <a:latin typeface="Helvetica Light" panose="020B0403020202020204" pitchFamily="34" charset="0"/>
+              </a:rPr>
+              <a:t>Next Week</a:t>
+            </a:r>
+            <a:r>
+              <a:rPr lang="en-US" sz="2600" dirty="0">
+                <a:latin typeface="Helvetica Light" panose="020B0403020202020204" pitchFamily="34" charset="0"/>
+              </a:rPr>
+              <a:t>: working with files (chapter 10), </a:t>
+            </a:r>
+            <a:r>
+              <a:rPr lang="en-US" sz="2600">
+                <a:latin typeface="Helvetica Light" panose="020B0403020202020204" pitchFamily="34" charset="0"/>
+              </a:rPr>
+              <a:t>controlling input/output</a:t>
+            </a:r>
+            <a:r>
+              <a:rPr lang="en-US" sz="2600" dirty="0">
+                <a:latin typeface="Helvetica Light" panose="020B0403020202020204" pitchFamily="34" charset="0"/>
+              </a:rPr>
+              <a:t>.</a:t>
+            </a:r>
+          </a:p>
+        </p:txBody>
+      </p:sp>
+      <p:sp>
+        <p:nvSpPr>
+          <p:cNvPr id="10" name="TextBox 9">
+            <a:extLst>
+              <a:ext uri="{FF2B5EF4-FFF2-40B4-BE49-F238E27FC236}">
+                <a16:creationId xmlns:a16="http://schemas.microsoft.com/office/drawing/2014/main" id="{F13B87F7-AD03-9E46-AD4E-2474F471165F}"/>
+              </a:ext>
+            </a:extLst>
+          </p:cNvPr>
+          <p:cNvSpPr txBox="1"/>
+          <p:nvPr/>
+        </p:nvSpPr>
+        <p:spPr>
+          <a:xfrm>
+            <a:off x="4110677" y="264203"/>
+            <a:ext cx="3948517" cy="600164"/>
+          </a:xfrm>
+          <a:prstGeom prst="rect">
+            <a:avLst/>
+          </a:prstGeom>
+          <a:noFill/>
+        </p:spPr>
+        <p:txBody>
+          <a:bodyPr wrap="none" rtlCol="0">
+            <a:spAutoFit/>
+          </a:bodyPr>
+          <a:lstStyle/>
+          <a:p>
+            <a:r>
+              <a:rPr lang="en-US" sz="3300" dirty="0">
+                <a:latin typeface="Helvetica Light" panose="020B0403020202020204" pitchFamily="34" charset="0"/>
+              </a:rPr>
+              <a:t>This week and next</a:t>
+            </a:r>
+          </a:p>
+        </p:txBody>
+      </p:sp>
+    </p:spTree>
+    <p:extLst>
+      <p:ext uri="{BB962C8B-B14F-4D97-AF65-F5344CB8AC3E}">
+        <p14:creationId xmlns:p14="http://schemas.microsoft.com/office/powerpoint/2010/main" val="753436531"/>
+      </p:ext>
+    </p:extLst>
+  </p:cSld>
+  <p:clrMapOvr>
+    <a:masterClrMapping/>
+  </p:clrMapOvr>
+</p:sld>
+</file>
+
+<file path=ppt/slides/slide18.xml><?xml version="1.0" encoding="utf-8"?>
+<p:sld xmlns:a="http://schemas.openxmlformats.org/drawingml/2006/main" xmlns:r="http://schemas.openxmlformats.org/officeDocument/2006/relationships" xmlns:p="http://schemas.openxmlformats.org/presentationml/2006/main">
+  <p:cSld>
+    <p:spTree>
+      <p:nvGrpSpPr>
+        <p:cNvPr id="1" name=""/>
+        <p:cNvGrpSpPr/>
+        <p:nvPr/>
+      </p:nvGrpSpPr>
+      <p:grpSpPr>
+        <a:xfrm>
+          <a:off x="0" y="0"/>
+          <a:ext cx="0" cy="0"/>
+          <a:chOff x="0" y="0"/>
+          <a:chExt cx="0" cy="0"/>
+        </a:xfrm>
+      </p:grpSpPr>
+      <p:sp>
+        <p:nvSpPr>
+          <p:cNvPr id="2" name="TextBox 1">
+            <a:extLst>
+              <a:ext uri="{FF2B5EF4-FFF2-40B4-BE49-F238E27FC236}">
                 <a16:creationId xmlns:a16="http://schemas.microsoft.com/office/drawing/2014/main" id="{18199E91-F4F2-674E-99F3-CF5D018C136C}"/>
               </a:ext>
             </a:extLst>
@@ -8316,7 +9103,7 @@
 </p:sld>
 </file>
 
-<file path=ppt/slides/slide18.xml><?xml version="1.0" encoding="utf-8"?>
+<file path=ppt/slides/slide19.xml><?xml version="1.0" encoding="utf-8"?>
 <p:sld xmlns:a="http://schemas.openxmlformats.org/drawingml/2006/main" xmlns:r="http://schemas.openxmlformats.org/officeDocument/2006/relationships" xmlns:p="http://schemas.openxmlformats.org/presentationml/2006/main">
   <p:cSld>
     <p:spTree>
@@ -12630,6 +13417,193 @@
           <p:cNvPr id="2" name="TextBox 1">
             <a:extLst>
               <a:ext uri="{FF2B5EF4-FFF2-40B4-BE49-F238E27FC236}">
+                <a16:creationId xmlns:a16="http://schemas.microsoft.com/office/drawing/2014/main" id="{8E39D211-52E4-504E-86C6-50671DF6182D}"/>
+              </a:ext>
+            </a:extLst>
+          </p:cNvPr>
+          <p:cNvSpPr txBox="1"/>
+          <p:nvPr/>
+        </p:nvSpPr>
+        <p:spPr>
+          <a:xfrm>
+            <a:off x="3615994" y="313190"/>
+            <a:ext cx="3855543" cy="600164"/>
+          </a:xfrm>
+          <a:prstGeom prst="rect">
+            <a:avLst/>
+          </a:prstGeom>
+          <a:noFill/>
+        </p:spPr>
+        <p:txBody>
+          <a:bodyPr wrap="none" rtlCol="0">
+            <a:spAutoFit/>
+          </a:bodyPr>
+          <a:lstStyle/>
+          <a:p>
+            <a:r>
+              <a:rPr lang="en-US" sz="3300" dirty="0">
+                <a:latin typeface="Helvetica Light" panose="020B0403020202020204" pitchFamily="34" charset="0"/>
+              </a:rPr>
+              <a:t>Useful list functions</a:t>
+            </a:r>
+          </a:p>
+        </p:txBody>
+      </p:sp>
+      <p:sp>
+        <p:nvSpPr>
+          <p:cNvPr id="3" name="Rectangle 2">
+            <a:extLst>
+              <a:ext uri="{FF2B5EF4-FFF2-40B4-BE49-F238E27FC236}">
+                <a16:creationId xmlns:a16="http://schemas.microsoft.com/office/drawing/2014/main" id="{61BFCDDA-07CB-BB4A-ABC6-566BCDD32E46}"/>
+              </a:ext>
+            </a:extLst>
+          </p:cNvPr>
+          <p:cNvSpPr/>
+          <p:nvPr/>
+        </p:nvSpPr>
+        <p:spPr>
+          <a:xfrm>
+            <a:off x="818593" y="2504056"/>
+            <a:ext cx="5594801" cy="1692771"/>
+          </a:xfrm>
+          <a:prstGeom prst="rect">
+            <a:avLst/>
+          </a:prstGeom>
+        </p:spPr>
+        <p:txBody>
+          <a:bodyPr wrap="none">
+            <a:spAutoFit/>
+          </a:bodyPr>
+          <a:lstStyle/>
+          <a:p>
+            <a:r>
+              <a:rPr lang="en-US" sz="2600" dirty="0">
+                <a:effectLst/>
+                <a:latin typeface="Courier New" panose="02070309020205020404" pitchFamily="49" charset="0"/>
+                <a:cs typeface="Courier New" panose="02070309020205020404" pitchFamily="49" charset="0"/>
+              </a:rPr>
+              <a:t>+ </a:t>
+            </a:r>
+            <a:r>
+              <a:rPr lang="en-US" sz="2600" dirty="0">
+                <a:effectLst/>
+                <a:latin typeface="Helvetica Light" panose="020B0403020202020204" pitchFamily="34" charset="0"/>
+                <a:cs typeface="Courier New" panose="02070309020205020404" pitchFamily="49" charset="0"/>
+              </a:rPr>
+              <a:t>to concatenate two lists</a:t>
+            </a:r>
+          </a:p>
+          <a:p>
+            <a:endParaRPr lang="en-US" sz="2600" dirty="0">
+              <a:effectLst/>
+              <a:latin typeface="Helvetica Light" panose="020B0403020202020204" pitchFamily="34" charset="0"/>
+              <a:cs typeface="Courier New" panose="02070309020205020404" pitchFamily="49" charset="0"/>
+            </a:endParaRPr>
+          </a:p>
+          <a:p>
+            <a:r>
+              <a:rPr lang="en-US" sz="2600" b="1" dirty="0" err="1">
+                <a:latin typeface="Courier New" panose="02070309020205020404" pitchFamily="49" charset="0"/>
+                <a:cs typeface="Courier New" panose="02070309020205020404" pitchFamily="49" charset="0"/>
+              </a:rPr>
+              <a:t>BothLists</a:t>
+            </a:r>
+            <a:r>
+              <a:rPr lang="en-US" sz="2600" b="1" dirty="0">
+                <a:latin typeface="Courier New" panose="02070309020205020404" pitchFamily="49" charset="0"/>
+                <a:cs typeface="Courier New" panose="02070309020205020404" pitchFamily="49" charset="0"/>
+              </a:rPr>
+              <a:t> = </a:t>
+            </a:r>
+            <a:r>
+              <a:rPr lang="en-US" sz="2600" b="1" dirty="0" err="1">
+                <a:latin typeface="Courier New" panose="02070309020205020404" pitchFamily="49" charset="0"/>
+                <a:cs typeface="Courier New" panose="02070309020205020404" pitchFamily="49" charset="0"/>
+              </a:rPr>
+              <a:t>RgList</a:t>
+            </a:r>
+            <a:r>
+              <a:rPr lang="en-US" sz="2600" b="1" dirty="0">
+                <a:latin typeface="Courier New" panose="02070309020205020404" pitchFamily="49" charset="0"/>
+                <a:cs typeface="Courier New" panose="02070309020205020404" pitchFamily="49" charset="0"/>
+              </a:rPr>
+              <a:t> + Breeds</a:t>
+            </a:r>
+          </a:p>
+          <a:p>
+            <a:r>
+              <a:rPr lang="en-US" sz="2600" b="1" dirty="0">
+                <a:latin typeface="Courier New" panose="02070309020205020404" pitchFamily="49" charset="0"/>
+                <a:cs typeface="Courier New" panose="02070309020205020404" pitchFamily="49" charset="0"/>
+              </a:rPr>
+              <a:t>p</a:t>
+            </a:r>
+            <a:r>
+              <a:rPr lang="en-US" sz="2600" b="1" dirty="0">
+                <a:effectLst/>
+                <a:latin typeface="Courier New" panose="02070309020205020404" pitchFamily="49" charset="0"/>
+                <a:cs typeface="Courier New" panose="02070309020205020404" pitchFamily="49" charset="0"/>
+              </a:rPr>
+              <a:t>rint(</a:t>
+            </a:r>
+            <a:r>
+              <a:rPr lang="en-US" sz="2600" b="1" dirty="0" err="1">
+                <a:effectLst/>
+                <a:latin typeface="Courier New" panose="02070309020205020404" pitchFamily="49" charset="0"/>
+                <a:cs typeface="Courier New" panose="02070309020205020404" pitchFamily="49" charset="0"/>
+              </a:rPr>
+              <a:t>BothLists</a:t>
+            </a:r>
+            <a:r>
+              <a:rPr lang="en-US" sz="2600" b="1" dirty="0">
+                <a:effectLst/>
+                <a:latin typeface="Courier New" panose="02070309020205020404" pitchFamily="49" charset="0"/>
+                <a:cs typeface="Courier New" panose="02070309020205020404" pitchFamily="49" charset="0"/>
+              </a:rPr>
+              <a:t>)</a:t>
+            </a:r>
+            <a:endParaRPr lang="en-US" b="0" dirty="0">
+              <a:effectLst/>
+              <a:latin typeface="Menlo" panose="020B0609030804020204" pitchFamily="49" charset="0"/>
+            </a:endParaRPr>
+          </a:p>
+        </p:txBody>
+      </p:sp>
+    </p:spTree>
+    <p:extLst>
+      <p:ext uri="{BB962C8B-B14F-4D97-AF65-F5344CB8AC3E}">
+        <p14:creationId xmlns:p14="http://schemas.microsoft.com/office/powerpoint/2010/main" val="38574638"/>
+      </p:ext>
+    </p:extLst>
+  </p:cSld>
+  <p:clrMapOvr>
+    <a:masterClrMapping/>
+  </p:clrMapOvr>
+</p:sld>
+</file>
+
+<file path=ppt/slides/slide8.xml><?xml version="1.0" encoding="utf-8"?>
+<p:sld xmlns:a="http://schemas.openxmlformats.org/drawingml/2006/main" xmlns:r="http://schemas.openxmlformats.org/officeDocument/2006/relationships" xmlns:p="http://schemas.openxmlformats.org/presentationml/2006/main">
+  <p:cSld>
+    <p:spTree>
+      <p:nvGrpSpPr>
+        <p:cNvPr id="1" name=""/>
+        <p:cNvGrpSpPr/>
+        <p:nvPr/>
+      </p:nvGrpSpPr>
+      <p:grpSpPr>
+        <a:xfrm>
+          <a:off x="0" y="0"/>
+          <a:ext cx="0" cy="0"/>
+          <a:chOff x="0" y="0"/>
+          <a:chExt cx="0" cy="0"/>
+        </a:xfrm>
+      </p:grpSpPr>
+      <p:sp>
+        <p:nvSpPr>
+          <p:cNvPr id="2" name="TextBox 1">
+            <a:extLst>
+              <a:ext uri="{FF2B5EF4-FFF2-40B4-BE49-F238E27FC236}">
                 <a16:creationId xmlns:a16="http://schemas.microsoft.com/office/drawing/2014/main" id="{07BC93DB-A12E-8A44-8FED-8E4FE89505F2}"/>
               </a:ext>
             </a:extLst>
@@ -12924,7 +13898,7 @@
 </p:sld>
 </file>
 
-<file path=ppt/slides/slide8.xml><?xml version="1.0" encoding="utf-8"?>
+<file path=ppt/slides/slide9.xml><?xml version="1.0" encoding="utf-8"?>
 <p:sld xmlns:a="http://schemas.openxmlformats.org/drawingml/2006/main" xmlns:r="http://schemas.openxmlformats.org/officeDocument/2006/relationships" xmlns:p="http://schemas.openxmlformats.org/presentationml/2006/main">
   <p:cSld>
     <p:spTree>
@@ -13251,788 +14225,6 @@
     </p:tnLst>
     <p:bldLst>
       <p:bldP spid="4" grpId="0"/>
-    </p:bldLst>
-  </p:timing>
-</p:sld>
-</file>
-
-<file path=ppt/slides/slide9.xml><?xml version="1.0" encoding="utf-8"?>
-<p:sld xmlns:a="http://schemas.openxmlformats.org/drawingml/2006/main" xmlns:r="http://schemas.openxmlformats.org/officeDocument/2006/relationships" xmlns:p="http://schemas.openxmlformats.org/presentationml/2006/main">
-  <p:cSld>
-    <p:spTree>
-      <p:nvGrpSpPr>
-        <p:cNvPr id="1" name=""/>
-        <p:cNvGrpSpPr/>
-        <p:nvPr/>
-      </p:nvGrpSpPr>
-      <p:grpSpPr>
-        <a:xfrm>
-          <a:off x="0" y="0"/>
-          <a:ext cx="0" cy="0"/>
-          <a:chOff x="0" y="0"/>
-          <a:chExt cx="0" cy="0"/>
-        </a:xfrm>
-      </p:grpSpPr>
-      <p:sp>
-        <p:nvSpPr>
-          <p:cNvPr id="2" name="Rectangle 1">
-            <a:extLst>
-              <a:ext uri="{FF2B5EF4-FFF2-40B4-BE49-F238E27FC236}">
-                <a16:creationId xmlns:a16="http://schemas.microsoft.com/office/drawing/2014/main" id="{429FD9AB-524F-134E-B72D-F2FAB72141BC}"/>
-              </a:ext>
-            </a:extLst>
-          </p:cNvPr>
-          <p:cNvSpPr/>
-          <p:nvPr/>
-        </p:nvSpPr>
-        <p:spPr>
-          <a:xfrm>
-            <a:off x="2886157" y="453098"/>
-            <a:ext cx="6767639" cy="677108"/>
-          </a:xfrm>
-          <a:prstGeom prst="rect">
-            <a:avLst/>
-          </a:prstGeom>
-        </p:spPr>
-        <p:txBody>
-          <a:bodyPr wrap="square">
-            <a:spAutoFit/>
-          </a:bodyPr>
-          <a:lstStyle/>
-          <a:p>
-            <a:r>
-              <a:rPr lang="en-US" sz="3800" b="1" dirty="0">
-                <a:latin typeface="Helvetica Light" panose="020B0403020202020204" pitchFamily="34" charset="0"/>
-              </a:rPr>
-              <a:t>if</a:t>
-            </a:r>
-            <a:r>
-              <a:rPr lang="en-US" sz="3200" b="1" dirty="0">
-                <a:latin typeface="Helvetica Light" panose="020B0403020202020204" pitchFamily="34" charset="0"/>
-              </a:rPr>
-              <a:t>	</a:t>
-            </a:r>
-            <a:r>
-              <a:rPr lang="en-US" sz="3200" dirty="0">
-                <a:latin typeface="Helvetica Light" panose="020B0403020202020204" pitchFamily="34" charset="0"/>
-              </a:rPr>
-              <a:t>conditional decision making</a:t>
-            </a:r>
-            <a:r>
-              <a:rPr lang="en-US" sz="3200" b="1" dirty="0">
-                <a:latin typeface="Helvetica Light" panose="020B0403020202020204" pitchFamily="34" charset="0"/>
-              </a:rPr>
-              <a:t>	</a:t>
-            </a:r>
-          </a:p>
-        </p:txBody>
-      </p:sp>
-      <p:sp>
-        <p:nvSpPr>
-          <p:cNvPr id="5" name="TextBox 4">
-            <a:extLst>
-              <a:ext uri="{FF2B5EF4-FFF2-40B4-BE49-F238E27FC236}">
-                <a16:creationId xmlns:a16="http://schemas.microsoft.com/office/drawing/2014/main" id="{CE8E53BD-95A4-9D49-BD20-32321062DD6A}"/>
-              </a:ext>
-            </a:extLst>
-          </p:cNvPr>
-          <p:cNvSpPr txBox="1"/>
-          <p:nvPr/>
-        </p:nvSpPr>
-        <p:spPr>
-          <a:xfrm>
-            <a:off x="3202848" y="1452239"/>
-            <a:ext cx="1740286" cy="492443"/>
-          </a:xfrm>
-          <a:prstGeom prst="rect">
-            <a:avLst/>
-          </a:prstGeom>
-          <a:noFill/>
-          <a:ln w="31750">
-            <a:solidFill>
-              <a:schemeClr val="accent1">
-                <a:shade val="50000"/>
-              </a:schemeClr>
-            </a:solidFill>
-          </a:ln>
-        </p:spPr>
-        <p:txBody>
-          <a:bodyPr wrap="square" rtlCol="0">
-            <a:spAutoFit/>
-          </a:bodyPr>
-          <a:lstStyle/>
-          <a:p>
-            <a:pPr algn="ctr"/>
-            <a:r>
-              <a:rPr lang="en-US" sz="2600" dirty="0">
-                <a:latin typeface="Helvetica Light" panose="020B0403020202020204" pitchFamily="34" charset="0"/>
-              </a:rPr>
-              <a:t>Input</a:t>
-            </a:r>
-          </a:p>
-        </p:txBody>
-      </p:sp>
-      <p:sp>
-        <p:nvSpPr>
-          <p:cNvPr id="6" name="TextBox 5">
-            <a:extLst>
-              <a:ext uri="{FF2B5EF4-FFF2-40B4-BE49-F238E27FC236}">
-                <a16:creationId xmlns:a16="http://schemas.microsoft.com/office/drawing/2014/main" id="{C85B4606-68DD-3B4F-98CC-7C01BAE0746B}"/>
-              </a:ext>
-            </a:extLst>
-          </p:cNvPr>
-          <p:cNvSpPr txBox="1"/>
-          <p:nvPr/>
-        </p:nvSpPr>
-        <p:spPr>
-          <a:xfrm>
-            <a:off x="2744820" y="2455808"/>
-            <a:ext cx="2672526" cy="492443"/>
-          </a:xfrm>
-          <a:prstGeom prst="rect">
-            <a:avLst/>
-          </a:prstGeom>
-          <a:noFill/>
-          <a:ln w="31750">
-            <a:solidFill>
-              <a:schemeClr val="accent1">
-                <a:shade val="50000"/>
-              </a:schemeClr>
-            </a:solidFill>
-          </a:ln>
-        </p:spPr>
-        <p:txBody>
-          <a:bodyPr wrap="none" rtlCol="0">
-            <a:spAutoFit/>
-          </a:bodyPr>
-          <a:lstStyle/>
-          <a:p>
-            <a:r>
-              <a:rPr lang="en-US" sz="2600" dirty="0">
-                <a:latin typeface="Helvetica Light" panose="020B0403020202020204" pitchFamily="34" charset="0"/>
-              </a:rPr>
-              <a:t>other statements</a:t>
-            </a:r>
-          </a:p>
-        </p:txBody>
-      </p:sp>
-      <p:sp>
-        <p:nvSpPr>
-          <p:cNvPr id="7" name="TextBox 6">
-            <a:extLst>
-              <a:ext uri="{FF2B5EF4-FFF2-40B4-BE49-F238E27FC236}">
-                <a16:creationId xmlns:a16="http://schemas.microsoft.com/office/drawing/2014/main" id="{1C87F172-5C04-904D-AC3C-3496CC8E74F0}"/>
-              </a:ext>
-            </a:extLst>
-          </p:cNvPr>
-          <p:cNvSpPr txBox="1"/>
-          <p:nvPr/>
-        </p:nvSpPr>
-        <p:spPr>
-          <a:xfrm>
-            <a:off x="3536219" y="3566001"/>
-            <a:ext cx="1089728" cy="553998"/>
-          </a:xfrm>
-          <a:prstGeom prst="rect">
-            <a:avLst/>
-          </a:prstGeom>
-          <a:noFill/>
-          <a:ln w="31750">
-            <a:solidFill>
-              <a:srgbClr val="C00000"/>
-            </a:solidFill>
-          </a:ln>
-        </p:spPr>
-        <p:txBody>
-          <a:bodyPr wrap="square" rtlCol="0">
-            <a:spAutoFit/>
-          </a:bodyPr>
-          <a:lstStyle/>
-          <a:p>
-            <a:pPr algn="ctr"/>
-            <a:r>
-              <a:rPr lang="en-US" sz="3000" dirty="0">
-                <a:latin typeface="Helvetica Light" panose="020B0403020202020204" pitchFamily="34" charset="0"/>
-              </a:rPr>
-              <a:t>if</a:t>
-            </a:r>
-          </a:p>
-        </p:txBody>
-      </p:sp>
-      <p:cxnSp>
-        <p:nvCxnSpPr>
-          <p:cNvPr id="9" name="Straight Arrow Connector 8">
-            <a:extLst>
-              <a:ext uri="{FF2B5EF4-FFF2-40B4-BE49-F238E27FC236}">
-                <a16:creationId xmlns:a16="http://schemas.microsoft.com/office/drawing/2014/main" id="{734C11B4-3770-2A4D-9B57-E0D191D60337}"/>
-              </a:ext>
-            </a:extLst>
-          </p:cNvPr>
-          <p:cNvCxnSpPr>
-            <a:cxnSpLocks/>
-          </p:cNvCxnSpPr>
-          <p:nvPr/>
-        </p:nvCxnSpPr>
-        <p:spPr>
-          <a:xfrm>
-            <a:off x="4081083" y="2062462"/>
-            <a:ext cx="0" cy="291313"/>
-          </a:xfrm>
-          <a:prstGeom prst="straightConnector1">
-            <a:avLst/>
-          </a:prstGeom>
-          <a:ln w="25400">
-            <a:solidFill>
-              <a:schemeClr val="tx1">
-                <a:lumMod val="50000"/>
-                <a:lumOff val="50000"/>
-              </a:schemeClr>
-            </a:solidFill>
-            <a:tailEnd type="triangle"/>
-          </a:ln>
-        </p:spPr>
-        <p:style>
-          <a:lnRef idx="1">
-            <a:schemeClr val="accent1"/>
-          </a:lnRef>
-          <a:fillRef idx="0">
-            <a:schemeClr val="accent1"/>
-          </a:fillRef>
-          <a:effectRef idx="0">
-            <a:schemeClr val="accent1"/>
-          </a:effectRef>
-          <a:fontRef idx="minor">
-            <a:schemeClr val="tx1"/>
-          </a:fontRef>
-        </p:style>
-      </p:cxnSp>
-      <p:cxnSp>
-        <p:nvCxnSpPr>
-          <p:cNvPr id="12" name="Straight Arrow Connector 11">
-            <a:extLst>
-              <a:ext uri="{FF2B5EF4-FFF2-40B4-BE49-F238E27FC236}">
-                <a16:creationId xmlns:a16="http://schemas.microsoft.com/office/drawing/2014/main" id="{81E36A95-7D2F-AE47-843E-80A33A1AF6F2}"/>
-              </a:ext>
-            </a:extLst>
-          </p:cNvPr>
-          <p:cNvCxnSpPr>
-            <a:cxnSpLocks/>
-          </p:cNvCxnSpPr>
-          <p:nvPr/>
-        </p:nvCxnSpPr>
-        <p:spPr>
-          <a:xfrm>
-            <a:off x="4072991" y="3104312"/>
-            <a:ext cx="0" cy="291313"/>
-          </a:xfrm>
-          <a:prstGeom prst="straightConnector1">
-            <a:avLst/>
-          </a:prstGeom>
-          <a:ln w="25400">
-            <a:solidFill>
-              <a:schemeClr val="tx1">
-                <a:lumMod val="50000"/>
-                <a:lumOff val="50000"/>
-              </a:schemeClr>
-            </a:solidFill>
-            <a:tailEnd type="triangle"/>
-          </a:ln>
-        </p:spPr>
-        <p:style>
-          <a:lnRef idx="1">
-            <a:schemeClr val="accent1"/>
-          </a:lnRef>
-          <a:fillRef idx="0">
-            <a:schemeClr val="accent1"/>
-          </a:fillRef>
-          <a:effectRef idx="0">
-            <a:schemeClr val="accent1"/>
-          </a:effectRef>
-          <a:fontRef idx="minor">
-            <a:schemeClr val="tx1"/>
-          </a:fontRef>
-        </p:style>
-      </p:cxnSp>
-      <p:cxnSp>
-        <p:nvCxnSpPr>
-          <p:cNvPr id="14" name="Straight Arrow Connector 13">
-            <a:extLst>
-              <a:ext uri="{FF2B5EF4-FFF2-40B4-BE49-F238E27FC236}">
-                <a16:creationId xmlns:a16="http://schemas.microsoft.com/office/drawing/2014/main" id="{B98114D8-3F76-9D42-A77B-AFBF8AFBA2EA}"/>
-              </a:ext>
-            </a:extLst>
-          </p:cNvPr>
-          <p:cNvCxnSpPr>
-            <a:cxnSpLocks/>
-          </p:cNvCxnSpPr>
-          <p:nvPr/>
-        </p:nvCxnSpPr>
-        <p:spPr>
-          <a:xfrm>
-            <a:off x="4755918" y="4057494"/>
-            <a:ext cx="376881" cy="282944"/>
-          </a:xfrm>
-          <a:prstGeom prst="straightConnector1">
-            <a:avLst/>
-          </a:prstGeom>
-          <a:ln w="25400">
-            <a:solidFill>
-              <a:schemeClr val="tx1">
-                <a:lumMod val="50000"/>
-                <a:lumOff val="50000"/>
-              </a:schemeClr>
-            </a:solidFill>
-            <a:tailEnd type="triangle"/>
-          </a:ln>
-        </p:spPr>
-        <p:style>
-          <a:lnRef idx="1">
-            <a:schemeClr val="accent1"/>
-          </a:lnRef>
-          <a:fillRef idx="0">
-            <a:schemeClr val="accent1"/>
-          </a:fillRef>
-          <a:effectRef idx="0">
-            <a:schemeClr val="accent1"/>
-          </a:effectRef>
-          <a:fontRef idx="minor">
-            <a:schemeClr val="tx1"/>
-          </a:fontRef>
-        </p:style>
-      </p:cxnSp>
-      <p:cxnSp>
-        <p:nvCxnSpPr>
-          <p:cNvPr id="16" name="Straight Arrow Connector 15">
-            <a:extLst>
-              <a:ext uri="{FF2B5EF4-FFF2-40B4-BE49-F238E27FC236}">
-                <a16:creationId xmlns:a16="http://schemas.microsoft.com/office/drawing/2014/main" id="{DE0922E5-5D20-9C40-81B6-60415FA1A2E9}"/>
-              </a:ext>
-            </a:extLst>
-          </p:cNvPr>
-          <p:cNvCxnSpPr>
-            <a:cxnSpLocks/>
-          </p:cNvCxnSpPr>
-          <p:nvPr/>
-        </p:nvCxnSpPr>
-        <p:spPr>
-          <a:xfrm>
-            <a:off x="3345295" y="4200452"/>
-            <a:ext cx="610948" cy="1416875"/>
-          </a:xfrm>
-          <a:prstGeom prst="straightConnector1">
-            <a:avLst/>
-          </a:prstGeom>
-          <a:ln w="25400">
-            <a:solidFill>
-              <a:schemeClr val="tx1">
-                <a:lumMod val="50000"/>
-                <a:lumOff val="50000"/>
-              </a:schemeClr>
-            </a:solidFill>
-            <a:tailEnd type="triangle"/>
-          </a:ln>
-        </p:spPr>
-        <p:style>
-          <a:lnRef idx="1">
-            <a:schemeClr val="accent1"/>
-          </a:lnRef>
-          <a:fillRef idx="0">
-            <a:schemeClr val="accent1"/>
-          </a:fillRef>
-          <a:effectRef idx="0">
-            <a:schemeClr val="accent1"/>
-          </a:effectRef>
-          <a:fontRef idx="minor">
-            <a:schemeClr val="tx1"/>
-          </a:fontRef>
-        </p:style>
-      </p:cxnSp>
-      <p:sp>
-        <p:nvSpPr>
-          <p:cNvPr id="18" name="TextBox 17">
-            <a:extLst>
-              <a:ext uri="{FF2B5EF4-FFF2-40B4-BE49-F238E27FC236}">
-                <a16:creationId xmlns:a16="http://schemas.microsoft.com/office/drawing/2014/main" id="{3EED08F4-5AE7-1A4A-A8BC-D7E8616CB86A}"/>
-              </a:ext>
-            </a:extLst>
-          </p:cNvPr>
-          <p:cNvSpPr txBox="1"/>
-          <p:nvPr/>
-        </p:nvSpPr>
-        <p:spPr>
-          <a:xfrm>
-            <a:off x="2027231" y="4340438"/>
-            <a:ext cx="1740286" cy="461665"/>
-          </a:xfrm>
-          <a:prstGeom prst="rect">
-            <a:avLst/>
-          </a:prstGeom>
-          <a:noFill/>
-          <a:ln w="31750">
-            <a:noFill/>
-          </a:ln>
-        </p:spPr>
-        <p:txBody>
-          <a:bodyPr wrap="square" rtlCol="0">
-            <a:spAutoFit/>
-          </a:bodyPr>
-          <a:lstStyle/>
-          <a:p>
-            <a:pPr algn="ctr"/>
-            <a:r>
-              <a:rPr lang="en-US" sz="2400" b="1" dirty="0">
-                <a:latin typeface="Helvetica Light" panose="020B0403020202020204" pitchFamily="34" charset="0"/>
-              </a:rPr>
-              <a:t>false</a:t>
-            </a:r>
-          </a:p>
-        </p:txBody>
-      </p:sp>
-      <p:sp>
-        <p:nvSpPr>
-          <p:cNvPr id="19" name="TextBox 18">
-            <a:extLst>
-              <a:ext uri="{FF2B5EF4-FFF2-40B4-BE49-F238E27FC236}">
-                <a16:creationId xmlns:a16="http://schemas.microsoft.com/office/drawing/2014/main" id="{DDD9586F-A4EB-9647-88DE-5707439DE510}"/>
-              </a:ext>
-            </a:extLst>
-          </p:cNvPr>
-          <p:cNvSpPr txBox="1"/>
-          <p:nvPr/>
-        </p:nvSpPr>
-        <p:spPr>
-          <a:xfrm>
-            <a:off x="4943134" y="4325212"/>
-            <a:ext cx="1740286" cy="830997"/>
-          </a:xfrm>
-          <a:prstGeom prst="rect">
-            <a:avLst/>
-          </a:prstGeom>
-          <a:noFill/>
-          <a:ln w="31750">
-            <a:noFill/>
-          </a:ln>
-        </p:spPr>
-        <p:txBody>
-          <a:bodyPr wrap="square" rtlCol="0">
-            <a:spAutoFit/>
-          </a:bodyPr>
-          <a:lstStyle/>
-          <a:p>
-            <a:pPr algn="ctr"/>
-            <a:r>
-              <a:rPr lang="en-US" sz="2400" b="1" dirty="0">
-                <a:latin typeface="Helvetica Light" panose="020B0403020202020204" pitchFamily="34" charset="0"/>
-              </a:rPr>
-              <a:t>true</a:t>
-            </a:r>
-            <a:r>
-              <a:rPr lang="en-US" sz="2400" dirty="0">
-                <a:latin typeface="Helvetica Light" panose="020B0403020202020204" pitchFamily="34" charset="0"/>
-              </a:rPr>
-              <a:t>: do something</a:t>
-            </a:r>
-          </a:p>
-        </p:txBody>
-      </p:sp>
-      <p:cxnSp>
-        <p:nvCxnSpPr>
-          <p:cNvPr id="20" name="Straight Arrow Connector 19">
-            <a:extLst>
-              <a:ext uri="{FF2B5EF4-FFF2-40B4-BE49-F238E27FC236}">
-                <a16:creationId xmlns:a16="http://schemas.microsoft.com/office/drawing/2014/main" id="{D55FA2BF-6FE0-D94A-93FB-CE7483769CAA}"/>
-              </a:ext>
-            </a:extLst>
-          </p:cNvPr>
-          <p:cNvCxnSpPr>
-            <a:cxnSpLocks/>
-          </p:cNvCxnSpPr>
-          <p:nvPr/>
-        </p:nvCxnSpPr>
-        <p:spPr>
-          <a:xfrm flipH="1">
-            <a:off x="5202329" y="5257405"/>
-            <a:ext cx="445912" cy="508280"/>
-          </a:xfrm>
-          <a:prstGeom prst="straightConnector1">
-            <a:avLst/>
-          </a:prstGeom>
-          <a:ln w="25400">
-            <a:solidFill>
-              <a:schemeClr val="tx1">
-                <a:lumMod val="50000"/>
-                <a:lumOff val="50000"/>
-              </a:schemeClr>
-            </a:solidFill>
-            <a:tailEnd type="triangle"/>
-          </a:ln>
-        </p:spPr>
-        <p:style>
-          <a:lnRef idx="1">
-            <a:schemeClr val="accent1"/>
-          </a:lnRef>
-          <a:fillRef idx="0">
-            <a:schemeClr val="accent1"/>
-          </a:fillRef>
-          <a:effectRef idx="0">
-            <a:schemeClr val="accent1"/>
-          </a:effectRef>
-          <a:fontRef idx="minor">
-            <a:schemeClr val="tx1"/>
-          </a:fontRef>
-        </p:style>
-      </p:cxnSp>
-      <p:sp>
-        <p:nvSpPr>
-          <p:cNvPr id="22" name="TextBox 21">
-            <a:extLst>
-              <a:ext uri="{FF2B5EF4-FFF2-40B4-BE49-F238E27FC236}">
-                <a16:creationId xmlns:a16="http://schemas.microsoft.com/office/drawing/2014/main" id="{802D0A6E-FF7E-9B49-8C97-C3A89509A86F}"/>
-              </a:ext>
-            </a:extLst>
-          </p:cNvPr>
-          <p:cNvSpPr txBox="1"/>
-          <p:nvPr/>
-        </p:nvSpPr>
-        <p:spPr>
-          <a:xfrm>
-            <a:off x="2977743" y="5912459"/>
-            <a:ext cx="2190496" cy="492443"/>
-          </a:xfrm>
-          <a:prstGeom prst="rect">
-            <a:avLst/>
-          </a:prstGeom>
-          <a:noFill/>
-          <a:ln w="31750">
-            <a:solidFill>
-              <a:schemeClr val="accent1">
-                <a:shade val="50000"/>
-              </a:schemeClr>
-            </a:solidFill>
-          </a:ln>
-        </p:spPr>
-        <p:txBody>
-          <a:bodyPr wrap="square" rtlCol="0">
-            <a:spAutoFit/>
-          </a:bodyPr>
-          <a:lstStyle/>
-          <a:p>
-            <a:pPr algn="ctr"/>
-            <a:r>
-              <a:rPr lang="en-US" sz="2600" dirty="0">
-                <a:latin typeface="Helvetica Light" panose="020B0403020202020204" pitchFamily="34" charset="0"/>
-              </a:rPr>
-              <a:t>Rest of code</a:t>
-            </a:r>
-          </a:p>
-        </p:txBody>
-      </p:sp>
-      <p:sp>
-        <p:nvSpPr>
-          <p:cNvPr id="27" name="TextBox 26">
-            <a:extLst>
-              <a:ext uri="{FF2B5EF4-FFF2-40B4-BE49-F238E27FC236}">
-                <a16:creationId xmlns:a16="http://schemas.microsoft.com/office/drawing/2014/main" id="{AA7891C3-2381-0441-9D99-9E32E1804421}"/>
-              </a:ext>
-            </a:extLst>
-          </p:cNvPr>
-          <p:cNvSpPr txBox="1"/>
-          <p:nvPr/>
-        </p:nvSpPr>
-        <p:spPr>
-          <a:xfrm>
-            <a:off x="7219488" y="2202490"/>
-            <a:ext cx="1782860" cy="523220"/>
-          </a:xfrm>
-          <a:prstGeom prst="rect">
-            <a:avLst/>
-          </a:prstGeom>
-          <a:noFill/>
-        </p:spPr>
-        <p:txBody>
-          <a:bodyPr wrap="none" rtlCol="0">
-            <a:spAutoFit/>
-          </a:bodyPr>
-          <a:lstStyle/>
-          <a:p>
-            <a:r>
-              <a:rPr lang="en-US" sz="2800" b="1" dirty="0">
-                <a:latin typeface="Helvetica Light" panose="020B0403020202020204" pitchFamily="34" charset="0"/>
-              </a:rPr>
-              <a:t>In python:</a:t>
-            </a:r>
-          </a:p>
-        </p:txBody>
-      </p:sp>
-      <p:sp>
-        <p:nvSpPr>
-          <p:cNvPr id="28" name="TextBox 27">
-            <a:extLst>
-              <a:ext uri="{FF2B5EF4-FFF2-40B4-BE49-F238E27FC236}">
-                <a16:creationId xmlns:a16="http://schemas.microsoft.com/office/drawing/2014/main" id="{49188429-E12B-8E46-A1CE-82A26410FDE3}"/>
-              </a:ext>
-            </a:extLst>
-          </p:cNvPr>
-          <p:cNvSpPr txBox="1"/>
-          <p:nvPr/>
-        </p:nvSpPr>
-        <p:spPr>
-          <a:xfrm>
-            <a:off x="7219488" y="3091124"/>
-            <a:ext cx="4544834" cy="954107"/>
-          </a:xfrm>
-          <a:prstGeom prst="rect">
-            <a:avLst/>
-          </a:prstGeom>
-          <a:noFill/>
-          <a:ln w="12700">
-            <a:solidFill>
-              <a:schemeClr val="tx1">
-                <a:lumMod val="65000"/>
-                <a:lumOff val="35000"/>
-              </a:schemeClr>
-            </a:solidFill>
-          </a:ln>
-        </p:spPr>
-        <p:txBody>
-          <a:bodyPr wrap="none" rtlCol="0">
-            <a:spAutoFit/>
-          </a:bodyPr>
-          <a:lstStyle/>
-          <a:p>
-            <a:r>
-              <a:rPr lang="en-US" sz="2800" b="1" dirty="0">
-                <a:latin typeface="Courier New" panose="02070309020205020404" pitchFamily="49" charset="0"/>
-                <a:cs typeface="Courier New" panose="02070309020205020404" pitchFamily="49" charset="0"/>
-              </a:rPr>
-              <a:t>if Num &gt; 0:</a:t>
-            </a:r>
-          </a:p>
-          <a:p>
-            <a:r>
-              <a:rPr lang="en-US" sz="2800" b="1" dirty="0">
-                <a:latin typeface="Courier New" panose="02070309020205020404" pitchFamily="49" charset="0"/>
-                <a:cs typeface="Courier New" panose="02070309020205020404" pitchFamily="49" charset="0"/>
-              </a:rPr>
-              <a:t>	print "negative"</a:t>
-            </a:r>
-          </a:p>
-        </p:txBody>
-      </p:sp>
-    </p:spTree>
-    <p:extLst>
-      <p:ext uri="{BB962C8B-B14F-4D97-AF65-F5344CB8AC3E}">
-        <p14:creationId xmlns:p14="http://schemas.microsoft.com/office/powerpoint/2010/main" val="177439477"/>
-      </p:ext>
-    </p:extLst>
-  </p:cSld>
-  <p:clrMapOvr>
-    <a:masterClrMapping/>
-  </p:clrMapOvr>
-  <p:timing>
-    <p:tnLst>
-      <p:par>
-        <p:cTn id="1" dur="indefinite" restart="never" nodeType="tmRoot">
-          <p:childTnLst>
-            <p:seq concurrent="1" nextAc="seek">
-              <p:cTn id="2" dur="indefinite" nodeType="mainSeq">
-                <p:childTnLst>
-                  <p:par>
-                    <p:cTn id="3" fill="hold">
-                      <p:stCondLst>
-                        <p:cond delay="indefinite"/>
-                      </p:stCondLst>
-                      <p:childTnLst>
-                        <p:par>
-                          <p:cTn id="4" fill="hold">
-                            <p:stCondLst>
-                              <p:cond delay="0"/>
-                            </p:stCondLst>
-                            <p:childTnLst>
-                              <p:par>
-                                <p:cTn id="5" presetID="1" presetClass="entr" presetSubtype="0" fill="hold" grpId="0" nodeType="clickEffect">
-                                  <p:stCondLst>
-                                    <p:cond delay="0"/>
-                                  </p:stCondLst>
-                                  <p:childTnLst>
-                                    <p:set>
-                                      <p:cBhvr>
-                                        <p:cTn id="6" dur="1" fill="hold">
-                                          <p:stCondLst>
-                                            <p:cond delay="0"/>
-                                          </p:stCondLst>
-                                        </p:cTn>
-                                        <p:tgtEl>
-                                          <p:spTgt spid="27"/>
-                                        </p:tgtEl>
-                                        <p:attrNameLst>
-                                          <p:attrName>style.visibility</p:attrName>
-                                        </p:attrNameLst>
-                                      </p:cBhvr>
-                                      <p:to>
-                                        <p:strVal val="visible"/>
-                                      </p:to>
-                                    </p:set>
-                                  </p:childTnLst>
-                                </p:cTn>
-                              </p:par>
-                              <p:par>
-                                <p:cTn id="7" presetID="1" presetClass="entr" presetSubtype="0" fill="hold" grpId="0" nodeType="withEffect">
-                                  <p:stCondLst>
-                                    <p:cond delay="0"/>
-                                  </p:stCondLst>
-                                  <p:childTnLst>
-                                    <p:set>
-                                      <p:cBhvr>
-                                        <p:cTn id="8" dur="1" fill="hold">
-                                          <p:stCondLst>
-                                            <p:cond delay="0"/>
-                                          </p:stCondLst>
-                                        </p:cTn>
-                                        <p:tgtEl>
-                                          <p:spTgt spid="28"/>
-                                        </p:tgtEl>
-                                        <p:attrNameLst>
-                                          <p:attrName>style.visibility</p:attrName>
-                                        </p:attrNameLst>
-                                      </p:cBhvr>
-                                      <p:to>
-                                        <p:strVal val="visible"/>
-                                      </p:to>
-                                    </p:set>
-                                  </p:childTnLst>
-                                </p:cTn>
-                              </p:par>
-                            </p:childTnLst>
-                          </p:cTn>
-                        </p:par>
-                      </p:childTnLst>
-                    </p:cTn>
-                  </p:par>
-                </p:childTnLst>
-              </p:cTn>
-              <p:prevCondLst>
-                <p:cond evt="onPrev" delay="0">
-                  <p:tgtEl>
-                    <p:sldTgt/>
-                  </p:tgtEl>
-                </p:cond>
-              </p:prevCondLst>
-              <p:nextCondLst>
-                <p:cond evt="onNext" delay="0">
-                  <p:tgtEl>
-                    <p:sldTgt/>
-                  </p:tgtEl>
-                </p:cond>
-              </p:nextCondLst>
-            </p:seq>
-          </p:childTnLst>
-        </p:cTn>
-      </p:par>
-    </p:tnLst>
-    <p:bldLst>
-      <p:bldP spid="27" grpId="0"/>
-      <p:bldP spid="28" grpId="0" animBg="1"/>
     </p:bldLst>
   </p:timing>
 </p:sld>

--- a/week7_pythonII/week7_python_chap9.pptx
+++ b/week7_pythonII/week7_python_chap9.pptx
@@ -214,7 +214,7 @@
           <a:p>
             <a:fld id="{976AFC6F-2922-2443-A2A7-8FC41FA455C3}" type="datetimeFigureOut">
               <a:rPr lang="en-US" smtClean="0"/>
-              <a:t>10/11/22</a:t>
+              <a:t>10/8/24</a:t>
             </a:fld>
             <a:endParaRPr lang="en-US"/>
           </a:p>
@@ -1132,7 +1132,7 @@
           <a:p>
             <a:fld id="{A4D148A6-5714-8649-8AB3-5088539201B5}" type="datetimeFigureOut">
               <a:rPr lang="en-US" smtClean="0"/>
-              <a:t>10/11/22</a:t>
+              <a:t>10/8/24</a:t>
             </a:fld>
             <a:endParaRPr lang="en-US"/>
           </a:p>
@@ -1330,7 +1330,7 @@
           <a:p>
             <a:fld id="{A4D148A6-5714-8649-8AB3-5088539201B5}" type="datetimeFigureOut">
               <a:rPr lang="en-US" smtClean="0"/>
-              <a:t>10/11/22</a:t>
+              <a:t>10/8/24</a:t>
             </a:fld>
             <a:endParaRPr lang="en-US"/>
           </a:p>
@@ -1538,7 +1538,7 @@
           <a:p>
             <a:fld id="{A4D148A6-5714-8649-8AB3-5088539201B5}" type="datetimeFigureOut">
               <a:rPr lang="en-US" smtClean="0"/>
-              <a:t>10/11/22</a:t>
+              <a:t>10/8/24</a:t>
             </a:fld>
             <a:endParaRPr lang="en-US"/>
           </a:p>
@@ -1736,7 +1736,7 @@
           <a:p>
             <a:fld id="{A4D148A6-5714-8649-8AB3-5088539201B5}" type="datetimeFigureOut">
               <a:rPr lang="en-US" smtClean="0"/>
-              <a:t>10/11/22</a:t>
+              <a:t>10/8/24</a:t>
             </a:fld>
             <a:endParaRPr lang="en-US"/>
           </a:p>
@@ -2011,7 +2011,7 @@
           <a:p>
             <a:fld id="{A4D148A6-5714-8649-8AB3-5088539201B5}" type="datetimeFigureOut">
               <a:rPr lang="en-US" smtClean="0"/>
-              <a:t>10/11/22</a:t>
+              <a:t>10/8/24</a:t>
             </a:fld>
             <a:endParaRPr lang="en-US"/>
           </a:p>
@@ -2276,7 +2276,7 @@
           <a:p>
             <a:fld id="{A4D148A6-5714-8649-8AB3-5088539201B5}" type="datetimeFigureOut">
               <a:rPr lang="en-US" smtClean="0"/>
-              <a:t>10/11/22</a:t>
+              <a:t>10/8/24</a:t>
             </a:fld>
             <a:endParaRPr lang="en-US"/>
           </a:p>
@@ -2688,7 +2688,7 @@
           <a:p>
             <a:fld id="{A4D148A6-5714-8649-8AB3-5088539201B5}" type="datetimeFigureOut">
               <a:rPr lang="en-US" smtClean="0"/>
-              <a:t>10/11/22</a:t>
+              <a:t>10/8/24</a:t>
             </a:fld>
             <a:endParaRPr lang="en-US"/>
           </a:p>
@@ -2829,7 +2829,7 @@
           <a:p>
             <a:fld id="{A4D148A6-5714-8649-8AB3-5088539201B5}" type="datetimeFigureOut">
               <a:rPr lang="en-US" smtClean="0"/>
-              <a:t>10/11/22</a:t>
+              <a:t>10/8/24</a:t>
             </a:fld>
             <a:endParaRPr lang="en-US"/>
           </a:p>
@@ -2942,7 +2942,7 @@
           <a:p>
             <a:fld id="{A4D148A6-5714-8649-8AB3-5088539201B5}" type="datetimeFigureOut">
               <a:rPr lang="en-US" smtClean="0"/>
-              <a:t>10/11/22</a:t>
+              <a:t>10/8/24</a:t>
             </a:fld>
             <a:endParaRPr lang="en-US"/>
           </a:p>
@@ -3253,7 +3253,7 @@
           <a:p>
             <a:fld id="{A4D148A6-5714-8649-8AB3-5088539201B5}" type="datetimeFigureOut">
               <a:rPr lang="en-US" smtClean="0"/>
-              <a:t>10/11/22</a:t>
+              <a:t>10/8/24</a:t>
             </a:fld>
             <a:endParaRPr lang="en-US"/>
           </a:p>
@@ -3541,7 +3541,7 @@
           <a:p>
             <a:fld id="{A4D148A6-5714-8649-8AB3-5088539201B5}" type="datetimeFigureOut">
               <a:rPr lang="en-US" smtClean="0"/>
-              <a:t>10/11/22</a:t>
+              <a:t>10/8/24</a:t>
             </a:fld>
             <a:endParaRPr lang="en-US"/>
           </a:p>
@@ -3782,7 +3782,7 @@
           <a:p>
             <a:fld id="{A4D148A6-5714-8649-8AB3-5088539201B5}" type="datetimeFigureOut">
               <a:rPr lang="en-US" smtClean="0"/>
-              <a:t>10/11/22</a:t>
+              <a:t>10/8/24</a:t>
             </a:fld>
             <a:endParaRPr lang="en-US"/>
           </a:p>
@@ -4436,7 +4436,7 @@
                 </a:ln>
                 <a:latin typeface="Helvetica Light" panose="020B0403020202020204" pitchFamily="34" charset="0"/>
               </a:rPr>
-              <a:t> page), python_2_primer.md, assignment_python2.md</a:t>
+              <a:t> page), python_2_primer.ipynb, assignment_python2.md</a:t>
             </a:r>
           </a:p>
         </p:txBody>
@@ -8362,10 +8362,16 @@
           <a:lstStyle/>
           <a:p>
             <a:r>
+              <a:rPr lang="en-US" sz="3000">
+                <a:latin typeface="Courier" pitchFamily="2" charset="0"/>
+              </a:rPr>
+              <a:t>Num</a:t>
+            </a:r>
+            <a:r>
               <a:rPr lang="en-US" sz="3000" dirty="0">
                 <a:latin typeface="Courier" pitchFamily="2" charset="0"/>
               </a:rPr>
-              <a:t>﻿Num=</a:t>
+              <a:t>=</a:t>
             </a:r>
             <a:r>
               <a:rPr lang="en-US" sz="3000" dirty="0">
@@ -13879,7 +13885,7 @@
         <p:spPr>
           <a:xfrm>
             <a:off x="7219488" y="3091124"/>
-            <a:ext cx="4544834" cy="954107"/>
+            <a:ext cx="4759636" cy="954107"/>
           </a:xfrm>
           <a:prstGeom prst="rect">
             <a:avLst/>
@@ -13914,8 +13920,19 @@
                 <a:latin typeface="Courier New" panose="02070309020205020404" pitchFamily="49" charset="0"/>
                 <a:cs typeface="Courier New" panose="02070309020205020404" pitchFamily="49" charset="0"/>
               </a:rPr>
-              <a:t>	print "negative"</a:t>
-            </a:r>
+              <a:t>	</a:t>
+            </a:r>
+            <a:r>
+              <a:rPr lang="en-US" sz="2800" b="1">
+                <a:latin typeface="Courier New" panose="02070309020205020404" pitchFamily="49" charset="0"/>
+                <a:cs typeface="Courier New" panose="02070309020205020404" pitchFamily="49" charset="0"/>
+              </a:rPr>
+              <a:t>print("positive")</a:t>
+            </a:r>
+            <a:endParaRPr lang="en-US" sz="2800" b="1" dirty="0">
+              <a:latin typeface="Courier New" panose="02070309020205020404" pitchFamily="49" charset="0"/>
+              <a:cs typeface="Courier New" panose="02070309020205020404" pitchFamily="49" charset="0"/>
+            </a:endParaRPr>
           </a:p>
         </p:txBody>
       </p:sp>
